--- a/MINT – Forth’s Kid Brother.pptx
+++ b/MINT – Forth’s Kid Brother.pptx
@@ -15,6 +15,7 @@
     <p:sldId id="263" r:id="rId9"/>
     <p:sldId id="264" r:id="rId10"/>
     <p:sldId id="265" r:id="rId11"/>
+    <p:sldId id="266" r:id="rId12"/>
   </p:sldIdLst>
   <p:sldSz cx="12192000" cy="6858000"/>
   <p:notesSz cx="6858000" cy="9144000"/>
@@ -124,7 +125,7 @@
 <file path=ppt/revisionInfo.xml><?xml version="1.0" encoding="utf-8"?>
 <p1510:revInfo xmlns:a="http://schemas.openxmlformats.org/drawingml/2006/main" xmlns:r="http://schemas.openxmlformats.org/officeDocument/2006/relationships" xmlns:p1510="http://schemas.microsoft.com/office/powerpoint/2015/10/main">
   <p1510:revLst>
-    <p1510:client id="{0A7CE5CB-19D4-4AF0-A0FA-8E342993492F}" v="3" dt="2025-05-03T09:25:16.888"/>
+    <p1510:client id="{0A7CE5CB-19D4-4AF0-A0FA-8E342993492F}" v="16" dt="2025-05-03T13:49:12.939"/>
   </p1510:revLst>
 </p1510:revInfo>
 </file>
@@ -134,7 +135,7 @@
   <pc:docChgLst>
     <pc:chgData name="Ken Boak" userId="11a755eb-d143-4262-935d-151bb2856ecc" providerId="ADAL" clId="{0A7CE5CB-19D4-4AF0-A0FA-8E342993492F}"/>
     <pc:docChg chg="undo custSel addSld modSld">
-      <pc:chgData name="Ken Boak" userId="11a755eb-d143-4262-935d-151bb2856ecc" providerId="ADAL" clId="{0A7CE5CB-19D4-4AF0-A0FA-8E342993492F}" dt="2025-05-03T12:43:58.427" v="5582" actId="20577"/>
+      <pc:chgData name="Ken Boak" userId="11a755eb-d143-4262-935d-151bb2856ecc" providerId="ADAL" clId="{0A7CE5CB-19D4-4AF0-A0FA-8E342993492F}" dt="2025-05-03T13:49:12.939" v="6678" actId="20577"/>
       <pc:docMkLst>
         <pc:docMk/>
       </pc:docMkLst>
@@ -200,7 +201,7 @@
         </pc:spChg>
       </pc:sldChg>
       <pc:sldChg chg="modSp new mod">
-        <pc:chgData name="Ken Boak" userId="11a755eb-d143-4262-935d-151bb2856ecc" providerId="ADAL" clId="{0A7CE5CB-19D4-4AF0-A0FA-8E342993492F}" dt="2025-05-03T08:39:12.509" v="2328" actId="14100"/>
+        <pc:chgData name="Ken Boak" userId="11a755eb-d143-4262-935d-151bb2856ecc" providerId="ADAL" clId="{0A7CE5CB-19D4-4AF0-A0FA-8E342993492F}" dt="2025-05-03T13:47:19.447" v="6656" actId="20577"/>
         <pc:sldMkLst>
           <pc:docMk/>
           <pc:sldMk cId="1536938521" sldId="259"/>
@@ -214,7 +215,7 @@
           </ac:spMkLst>
         </pc:spChg>
         <pc:spChg chg="mod">
-          <ac:chgData name="Ken Boak" userId="11a755eb-d143-4262-935d-151bb2856ecc" providerId="ADAL" clId="{0A7CE5CB-19D4-4AF0-A0FA-8E342993492F}" dt="2025-05-03T08:38:38.247" v="2325" actId="14100"/>
+          <ac:chgData name="Ken Boak" userId="11a755eb-d143-4262-935d-151bb2856ecc" providerId="ADAL" clId="{0A7CE5CB-19D4-4AF0-A0FA-8E342993492F}" dt="2025-05-03T13:47:19.447" v="6656" actId="20577"/>
           <ac:spMkLst>
             <pc:docMk/>
             <pc:sldMk cId="1536938521" sldId="259"/>
@@ -269,7 +270,7 @@
         </pc:spChg>
       </pc:sldChg>
       <pc:sldChg chg="modSp new mod">
-        <pc:chgData name="Ken Boak" userId="11a755eb-d143-4262-935d-151bb2856ecc" providerId="ADAL" clId="{0A7CE5CB-19D4-4AF0-A0FA-8E342993492F}" dt="2025-05-03T12:43:45.420" v="5580" actId="20577"/>
+        <pc:chgData name="Ken Boak" userId="11a755eb-d143-4262-935d-151bb2856ecc" providerId="ADAL" clId="{0A7CE5CB-19D4-4AF0-A0FA-8E342993492F}" dt="2025-05-03T13:09:33.538" v="5587" actId="20577"/>
         <pc:sldMkLst>
           <pc:docMk/>
           <pc:sldMk cId="2650223127" sldId="262"/>
@@ -283,7 +284,7 @@
           </ac:spMkLst>
         </pc:spChg>
         <pc:spChg chg="mod">
-          <ac:chgData name="Ken Boak" userId="11a755eb-d143-4262-935d-151bb2856ecc" providerId="ADAL" clId="{0A7CE5CB-19D4-4AF0-A0FA-8E342993492F}" dt="2025-05-03T12:43:39.243" v="5578" actId="20577"/>
+          <ac:chgData name="Ken Boak" userId="11a755eb-d143-4262-935d-151bb2856ecc" providerId="ADAL" clId="{0A7CE5CB-19D4-4AF0-A0FA-8E342993492F}" dt="2025-05-03T13:09:33.538" v="5587" actId="20577"/>
           <ac:spMkLst>
             <pc:docMk/>
             <pc:sldMk cId="2650223127" sldId="262"/>
@@ -338,17 +339,48 @@
         </pc:spChg>
       </pc:sldChg>
       <pc:sldChg chg="modSp new mod">
-        <pc:chgData name="Ken Boak" userId="11a755eb-d143-4262-935d-151bb2856ecc" providerId="ADAL" clId="{0A7CE5CB-19D4-4AF0-A0FA-8E342993492F}" dt="2025-05-03T12:27:41.905" v="5576" actId="20577"/>
+        <pc:chgData name="Ken Boak" userId="11a755eb-d143-4262-935d-151bb2856ecc" providerId="ADAL" clId="{0A7CE5CB-19D4-4AF0-A0FA-8E342993492F}" dt="2025-05-03T13:25:11.640" v="6297" actId="14100"/>
         <pc:sldMkLst>
           <pc:docMk/>
           <pc:sldMk cId="4225111017" sldId="265"/>
         </pc:sldMkLst>
         <pc:spChg chg="mod">
-          <ac:chgData name="Ken Boak" userId="11a755eb-d143-4262-935d-151bb2856ecc" providerId="ADAL" clId="{0A7CE5CB-19D4-4AF0-A0FA-8E342993492F}" dt="2025-05-03T12:27:41.905" v="5576" actId="20577"/>
+          <ac:chgData name="Ken Boak" userId="11a755eb-d143-4262-935d-151bb2856ecc" providerId="ADAL" clId="{0A7CE5CB-19D4-4AF0-A0FA-8E342993492F}" dt="2025-05-03T13:25:06.243" v="6296" actId="27636"/>
           <ac:spMkLst>
             <pc:docMk/>
             <pc:sldMk cId="4225111017" sldId="265"/>
             <ac:spMk id="2" creationId="{591EE1D2-B635-FD4F-64F5-618E27DCCA39}"/>
+          </ac:spMkLst>
+        </pc:spChg>
+        <pc:spChg chg="mod">
+          <ac:chgData name="Ken Boak" userId="11a755eb-d143-4262-935d-151bb2856ecc" providerId="ADAL" clId="{0A7CE5CB-19D4-4AF0-A0FA-8E342993492F}" dt="2025-05-03T13:25:11.640" v="6297" actId="14100"/>
+          <ac:spMkLst>
+            <pc:docMk/>
+            <pc:sldMk cId="4225111017" sldId="265"/>
+            <ac:spMk id="3" creationId="{5AEBF832-E104-1C4F-2B2E-CFF2F7852D56}"/>
+          </ac:spMkLst>
+        </pc:spChg>
+      </pc:sldChg>
+      <pc:sldChg chg="modSp new mod">
+        <pc:chgData name="Ken Boak" userId="11a755eb-d143-4262-935d-151bb2856ecc" providerId="ADAL" clId="{0A7CE5CB-19D4-4AF0-A0FA-8E342993492F}" dt="2025-05-03T13:49:12.939" v="6678" actId="20577"/>
+        <pc:sldMkLst>
+          <pc:docMk/>
+          <pc:sldMk cId="2028375043" sldId="266"/>
+        </pc:sldMkLst>
+        <pc:spChg chg="mod">
+          <ac:chgData name="Ken Boak" userId="11a755eb-d143-4262-935d-151bb2856ecc" providerId="ADAL" clId="{0A7CE5CB-19D4-4AF0-A0FA-8E342993492F}" dt="2025-05-03T13:27:53.281" v="6321" actId="27636"/>
+          <ac:spMkLst>
+            <pc:docMk/>
+            <pc:sldMk cId="2028375043" sldId="266"/>
+            <ac:spMk id="2" creationId="{C8FDCE71-E24A-A352-17BC-F108104399FD}"/>
+          </ac:spMkLst>
+        </pc:spChg>
+        <pc:spChg chg="mod">
+          <ac:chgData name="Ken Boak" userId="11a755eb-d143-4262-935d-151bb2856ecc" providerId="ADAL" clId="{0A7CE5CB-19D4-4AF0-A0FA-8E342993492F}" dt="2025-05-03T13:49:12.939" v="6678" actId="20577"/>
+          <ac:spMkLst>
+            <pc:docMk/>
+            <pc:sldMk cId="2028375043" sldId="266"/>
+            <ac:spMk id="3" creationId="{084BB834-CB49-8DD0-B9C3-5B74548F34A9}"/>
           </ac:spMkLst>
         </pc:spChg>
       </pc:sldChg>
@@ -3735,40 +3767,73 @@
             <p:ph type="title"/>
           </p:nvPr>
         </p:nvSpPr>
-        <p:spPr/>
+        <p:spPr>
+          <a:xfrm>
+            <a:off x="0" y="331393"/>
+            <a:ext cx="11353800" cy="681198"/>
+          </a:xfrm>
+        </p:spPr>
+        <p:txBody>
+          <a:bodyPr>
+            <a:normAutofit fontScale="90000"/>
+          </a:bodyPr>
+          <a:lstStyle/>
+          <a:p>
+            <a:r>
+              <a:rPr lang="en-GB" dirty="0"/>
+              <a:t>Applications and Future Work</a:t>
+            </a:r>
+          </a:p>
+        </p:txBody>
+      </p:sp>
+      <p:sp>
+        <p:nvSpPr>
+          <p:cNvPr id="3" name="Content Placeholder 2">
+            <a:extLst>
+              <a:ext uri="{FF2B5EF4-FFF2-40B4-BE49-F238E27FC236}">
+                <a16:creationId xmlns:a16="http://schemas.microsoft.com/office/drawing/2014/main" id="{5AEBF832-E104-1C4F-2B2E-CFF2F7852D56}"/>
+              </a:ext>
+            </a:extLst>
+          </p:cNvPr>
+          <p:cNvSpPr>
+            <a:spLocks noGrp="1"/>
+          </p:cNvSpPr>
+          <p:nvPr>
+            <p:ph idx="1"/>
+          </p:nvPr>
+        </p:nvSpPr>
+        <p:spPr>
+          <a:xfrm>
+            <a:off x="0" y="1110782"/>
+            <a:ext cx="12192000" cy="5747218"/>
+          </a:xfrm>
+        </p:spPr>
         <p:txBody>
           <a:bodyPr/>
           <a:lstStyle/>
           <a:p>
             <a:r>
               <a:rPr lang="en-GB" dirty="0"/>
-              <a:t>Applications and Future Work</a:t>
-            </a:r>
-          </a:p>
-        </p:txBody>
-      </p:sp>
-      <p:sp>
-        <p:nvSpPr>
-          <p:cNvPr id="3" name="Content Placeholder 2">
-            <a:extLst>
-              <a:ext uri="{FF2B5EF4-FFF2-40B4-BE49-F238E27FC236}">
-                <a16:creationId xmlns:a16="http://schemas.microsoft.com/office/drawing/2014/main" id="{5AEBF832-E104-1C4F-2B2E-CFF2F7852D56}"/>
-              </a:ext>
-            </a:extLst>
-          </p:cNvPr>
-          <p:cNvSpPr>
-            <a:spLocks noGrp="1"/>
-          </p:cNvSpPr>
-          <p:nvPr>
-            <p:ph idx="1"/>
-          </p:nvPr>
-        </p:nvSpPr>
-        <p:spPr/>
-        <p:txBody>
-          <a:bodyPr/>
-          <a:lstStyle/>
-          <a:p>
-            <a:endParaRPr lang="en-GB"/>
+              <a:t>MINT has acquired a small, dedicated following within the TEC-1 Community.</a:t>
+            </a:r>
+          </a:p>
+          <a:p>
+            <a:r>
+              <a:rPr lang="en-GB" dirty="0"/>
+              <a:t>Some of you will know of my passion for “Minimalist Computing”. I am slowly working towards a CPU design in 74HCxx logic or FPGA that executes MINT as its native assembly language. Inspired by James Bowman’s J1 Forth CPU.</a:t>
+            </a:r>
+          </a:p>
+          <a:p>
+            <a:r>
+              <a:rPr lang="en-GB" dirty="0"/>
+              <a:t>MINT has a very limited symbol set. Using Python or similar, a cross assembler could be developed to automate the build of MINT for many MCUs</a:t>
+            </a:r>
+          </a:p>
+          <a:p>
+            <a:r>
+              <a:rPr lang="en-GB" dirty="0"/>
+              <a:t>Python scripts could not only automate the assembly of MINT, but decompress/disassemble  it to less terse words and convert a high level language program to MINT primitives.</a:t>
+            </a:r>
           </a:p>
         </p:txBody>
       </p:sp>
@@ -3776,6 +3841,261 @@
     <p:extLst>
       <p:ext uri="{BB962C8B-B14F-4D97-AF65-F5344CB8AC3E}">
         <p14:creationId xmlns:p14="http://schemas.microsoft.com/office/powerpoint/2010/main" val="4225111017"/>
+      </p:ext>
+    </p:extLst>
+  </p:cSld>
+  <p:clrMapOvr>
+    <a:masterClrMapping/>
+  </p:clrMapOvr>
+</p:sld>
+</file>
+
+<file path=ppt/slides/slide11.xml><?xml version="1.0" encoding="utf-8"?>
+<p:sld xmlns:a="http://schemas.openxmlformats.org/drawingml/2006/main" xmlns:r="http://schemas.openxmlformats.org/officeDocument/2006/relationships" xmlns:p="http://schemas.openxmlformats.org/presentationml/2006/main">
+  <p:cSld>
+    <p:spTree>
+      <p:nvGrpSpPr>
+        <p:cNvPr id="1" name=""/>
+        <p:cNvGrpSpPr/>
+        <p:nvPr/>
+      </p:nvGrpSpPr>
+      <p:grpSpPr>
+        <a:xfrm>
+          <a:off x="0" y="0"/>
+          <a:ext cx="0" cy="0"/>
+          <a:chOff x="0" y="0"/>
+          <a:chExt cx="0" cy="0"/>
+        </a:xfrm>
+      </p:grpSpPr>
+      <p:sp>
+        <p:nvSpPr>
+          <p:cNvPr id="2" name="Title 1">
+            <a:extLst>
+              <a:ext uri="{FF2B5EF4-FFF2-40B4-BE49-F238E27FC236}">
+                <a16:creationId xmlns:a16="http://schemas.microsoft.com/office/drawing/2014/main" id="{C8FDCE71-E24A-A352-17BC-F108104399FD}"/>
+              </a:ext>
+            </a:extLst>
+          </p:cNvPr>
+          <p:cNvSpPr>
+            <a:spLocks noGrp="1"/>
+          </p:cNvSpPr>
+          <p:nvPr>
+            <p:ph type="title"/>
+          </p:nvPr>
+        </p:nvSpPr>
+        <p:spPr>
+          <a:xfrm>
+            <a:off x="838200" y="365126"/>
+            <a:ext cx="10515600" cy="475632"/>
+          </a:xfrm>
+        </p:spPr>
+        <p:txBody>
+          <a:bodyPr>
+            <a:normAutofit fontScale="90000"/>
+          </a:bodyPr>
+          <a:lstStyle/>
+          <a:p>
+            <a:r>
+              <a:rPr lang="en-GB" dirty="0"/>
+              <a:t>Links and Resources</a:t>
+            </a:r>
+          </a:p>
+        </p:txBody>
+      </p:sp>
+      <p:sp>
+        <p:nvSpPr>
+          <p:cNvPr id="3" name="Content Placeholder 2">
+            <a:extLst>
+              <a:ext uri="{FF2B5EF4-FFF2-40B4-BE49-F238E27FC236}">
+                <a16:creationId xmlns:a16="http://schemas.microsoft.com/office/drawing/2014/main" id="{084BB834-CB49-8DD0-B9C3-5B74548F34A9}"/>
+              </a:ext>
+            </a:extLst>
+          </p:cNvPr>
+          <p:cNvSpPr>
+            <a:spLocks noGrp="1"/>
+          </p:cNvSpPr>
+          <p:nvPr>
+            <p:ph idx="1"/>
+          </p:nvPr>
+        </p:nvSpPr>
+        <p:spPr>
+          <a:xfrm>
+            <a:off x="0" y="1239656"/>
+            <a:ext cx="12192000" cy="5618344"/>
+          </a:xfrm>
+        </p:spPr>
+        <p:txBody>
+          <a:bodyPr>
+            <a:normAutofit lnSpcReduction="10000"/>
+          </a:bodyPr>
+          <a:lstStyle/>
+          <a:p>
+            <a:r>
+              <a:rPr lang="en-GB" dirty="0" err="1"/>
+              <a:t>Tytzyme</a:t>
+            </a:r>
+            <a:r>
+              <a:rPr lang="en-GB" dirty="0"/>
+              <a:t> – Ward Cunningham  </a:t>
+            </a:r>
+            <a:r>
+              <a:rPr lang="en-GB" dirty="0">
+                <a:hlinkClick r:id="rId2"/>
+              </a:rPr>
+              <a:t>https://github.com/WardCunningham/Txtzyme</a:t>
+            </a:r>
+            <a:endParaRPr lang="en-GB" dirty="0"/>
+          </a:p>
+          <a:p>
+            <a:r>
+              <a:rPr lang="en-GB" dirty="0" err="1"/>
+              <a:t>TinyForth</a:t>
+            </a:r>
+            <a:r>
+              <a:rPr lang="en-GB" dirty="0"/>
+              <a:t> - </a:t>
+            </a:r>
+            <a:r>
+              <a:rPr lang="en-GB" b="0" i="1" dirty="0">
+                <a:solidFill>
+                  <a:srgbClr val="000000"/>
+                </a:solidFill>
+                <a:effectLst/>
+                <a:latin typeface="Times New Roman" panose="02020603050405020304" pitchFamily="18" charset="0"/>
+              </a:rPr>
+              <a:t>T. Nakagawa  </a:t>
+            </a:r>
+            <a:r>
+              <a:rPr lang="en-GB" dirty="0"/>
+              <a:t>(Japanese – use Google translate)  - </a:t>
+            </a:r>
+            <a:r>
+              <a:rPr lang="en-GB" dirty="0">
+                <a:hlinkClick r:id="rId3"/>
+              </a:rPr>
+              <a:t>http://middleriver.chagasi.com/electronics/tforth.html</a:t>
+            </a:r>
+            <a:endParaRPr lang="en-GB" dirty="0"/>
+          </a:p>
+          <a:p>
+            <a:r>
+              <a:rPr lang="en-GB" dirty="0"/>
+              <a:t>SIMPL -  </a:t>
+            </a:r>
+            <a:r>
+              <a:rPr lang="en-GB" dirty="0">
+                <a:hlinkClick r:id="rId4"/>
+              </a:rPr>
+              <a:t>https://github.com/monsonite/SIMPL</a:t>
+            </a:r>
+            <a:endParaRPr lang="en-GB" dirty="0"/>
+          </a:p>
+          <a:p>
+            <a:r>
+              <a:rPr lang="en-GB" dirty="0"/>
+              <a:t>STABLE -  </a:t>
+            </a:r>
+            <a:r>
+              <a:rPr lang="en-GB" dirty="0">
+                <a:hlinkClick r:id="rId5"/>
+              </a:rPr>
+              <a:t>https://w3group.de/stable.html</a:t>
+            </a:r>
+            <a:endParaRPr lang="en-GB" dirty="0"/>
+          </a:p>
+          <a:p>
+            <a:r>
+              <a:rPr lang="en-GB" dirty="0"/>
+              <a:t>MINT (Z80) -  </a:t>
+            </a:r>
+            <a:r>
+              <a:rPr lang="en-GB" dirty="0">
+                <a:hlinkClick r:id="rId6"/>
+              </a:rPr>
+              <a:t>https://github.com/orgMINT</a:t>
+            </a:r>
+            <a:endParaRPr lang="en-GB" dirty="0"/>
+          </a:p>
+          <a:p>
+            <a:r>
+              <a:rPr lang="en-GB" dirty="0"/>
+              <a:t>MINT (6502) -  </a:t>
+            </a:r>
+            <a:r>
+              <a:rPr lang="en-GB" dirty="0">
+                <a:hlinkClick r:id="rId7"/>
+              </a:rPr>
+              <a:t>https://github.com/agsb/6502.MINT</a:t>
+            </a:r>
+            <a:endParaRPr lang="en-GB" dirty="0"/>
+          </a:p>
+          <a:p>
+            <a:r>
+              <a:rPr lang="en-GB" dirty="0"/>
+              <a:t>CMINT -  </a:t>
+            </a:r>
+            <a:r>
+              <a:rPr lang="en-GB" dirty="0">
+                <a:hlinkClick r:id="rId8"/>
+              </a:rPr>
+              <a:t>https://github.com/trozodejamon/CMINT</a:t>
+            </a:r>
+            <a:endParaRPr lang="en-GB" dirty="0"/>
+          </a:p>
+          <a:p>
+            <a:r>
+              <a:rPr lang="en-GB" dirty="0"/>
+              <a:t>MINT Computing  - </a:t>
+            </a:r>
+            <a:r>
+              <a:rPr lang="en-GB" dirty="0">
+                <a:hlinkClick r:id="rId9"/>
+              </a:rPr>
+              <a:t>https://www.facebook.com/groups/278238447530031</a:t>
+            </a:r>
+            <a:endParaRPr lang="en-GB" dirty="0"/>
+          </a:p>
+          <a:p>
+            <a:r>
+              <a:rPr lang="en-GB" dirty="0"/>
+              <a:t>Minimalist Computing </a:t>
+            </a:r>
+            <a:r>
+              <a:rPr lang="en-GB" dirty="0">
+                <a:hlinkClick r:id="rId10"/>
+              </a:rPr>
+              <a:t>https://www.facebook.com/groups/minimalistcomputing</a:t>
+            </a:r>
+            <a:endParaRPr lang="en-GB" dirty="0"/>
+          </a:p>
+          <a:p>
+            <a:r>
+              <a:rPr lang="en-GB" dirty="0"/>
+              <a:t> Suite-16  - </a:t>
+            </a:r>
+            <a:r>
+              <a:rPr lang="en-GB" dirty="0">
+                <a:hlinkClick r:id="rId11"/>
+              </a:rPr>
+              <a:t>https://hackaday.io/project/168025-suite-16</a:t>
+            </a:r>
+            <a:endParaRPr lang="en-GB" dirty="0"/>
+          </a:p>
+          <a:p>
+            <a:endParaRPr lang="en-GB" dirty="0"/>
+          </a:p>
+          <a:p>
+            <a:endParaRPr lang="en-GB" dirty="0"/>
+          </a:p>
+          <a:p>
+            <a:endParaRPr lang="en-GB" dirty="0"/>
+          </a:p>
+        </p:txBody>
+      </p:sp>
+    </p:spTree>
+    <p:extLst>
+      <p:ext uri="{BB962C8B-B14F-4D97-AF65-F5344CB8AC3E}">
+        <p14:creationId xmlns:p14="http://schemas.microsoft.com/office/powerpoint/2010/main" val="2028375043"/>
       </p:ext>
     </p:extLst>
   </p:cSld>
@@ -4369,8 +4689,8 @@
         </p:nvSpPr>
         <p:spPr>
           <a:xfrm>
-            <a:off x="0" y="981907"/>
-            <a:ext cx="12191999" cy="5876094"/>
+            <a:off x="0" y="662787"/>
+            <a:ext cx="12191999" cy="6195214"/>
           </a:xfrm>
         </p:spPr>
         <p:txBody>
@@ -4379,9 +4699,57 @@
           </a:bodyPr>
           <a:lstStyle/>
           <a:p>
-            <a:r>
-              <a:rPr lang="en-GB" dirty="0"/>
-              <a:t>In 2011, Ward Cunningham wrote “</a:t>
+            <a:endParaRPr lang="en-GB" dirty="0"/>
+          </a:p>
+          <a:p>
+            <a:r>
+              <a:rPr lang="en-GB" dirty="0"/>
+              <a:t>It started with </a:t>
+            </a:r>
+            <a:r>
+              <a:rPr lang="en-GB" dirty="0" err="1"/>
+              <a:t>TinyForth</a:t>
+            </a:r>
+            <a:r>
+              <a:rPr lang="en-GB" dirty="0"/>
+              <a:t> by </a:t>
+            </a:r>
+            <a:r>
+              <a:rPr lang="en-GB" b="0" dirty="0">
+                <a:solidFill>
+                  <a:srgbClr val="000000"/>
+                </a:solidFill>
+                <a:effectLst/>
+                <a:latin typeface="Times New Roman" panose="02020603050405020304" pitchFamily="18" charset="0"/>
+              </a:rPr>
+              <a:t>T. Nakagawa  in 2004, a cut down Forth similar in philosophy to </a:t>
+            </a:r>
+            <a:r>
+              <a:rPr lang="en-GB" b="0" dirty="0" err="1">
+                <a:solidFill>
+                  <a:srgbClr val="000000"/>
+                </a:solidFill>
+                <a:effectLst/>
+                <a:latin typeface="Times New Roman" panose="02020603050405020304" pitchFamily="18" charset="0"/>
+              </a:rPr>
+              <a:t>TinyBASIC</a:t>
+            </a:r>
+            <a:r>
+              <a:rPr lang="en-GB" b="0" dirty="0">
+                <a:solidFill>
+                  <a:srgbClr val="000000"/>
+                </a:solidFill>
+                <a:effectLst/>
+                <a:latin typeface="Times New Roman" panose="02020603050405020304" pitchFamily="18" charset="0"/>
+              </a:rPr>
+              <a:t>.</a:t>
+            </a:r>
+            <a:endParaRPr lang="en-GB" dirty="0"/>
+          </a:p>
+          <a:p>
+            <a:r>
+              <a:rPr lang="en-GB" dirty="0"/>
+              <a:t>In 2011, Ward Cunningham wrote </a:t>
             </a:r>
             <a:r>
               <a:rPr lang="en-GB" dirty="0" err="1"/>
@@ -4389,7 +4757,7 @@
             </a:r>
             <a:r>
               <a:rPr lang="en-GB" dirty="0"/>
-              <a:t>” a tiny interpreter to run on Arduino</a:t>
+              <a:t> a tiny interpreter to run on Arduino</a:t>
             </a:r>
           </a:p>
           <a:p>
@@ -4411,9 +4779,6 @@
               <a:rPr lang="en-GB" dirty="0"/>
               <a:t>It provided an immediate interpreted environment to interact with the  I/O.</a:t>
             </a:r>
-          </a:p>
-          <a:p>
-            <a:endParaRPr lang="en-GB" dirty="0"/>
           </a:p>
           <a:p>
             <a:r>
@@ -4961,7 +5326,7 @@
           <a:p>
             <a:r>
               <a:rPr lang="en-GB" dirty="0"/>
-              <a:t>A version MINT6502 was written by Alvaro Barcellos in 6502 assembly.</a:t>
+              <a:t>A version MINT6502 was written by Alvaro G S Barcellos in 6502 assembly.</a:t>
             </a:r>
           </a:p>
           <a:p>
@@ -4970,15 +5335,7 @@
           <a:p>
             <a:r>
               <a:rPr lang="en-GB" dirty="0"/>
-              <a:t>A generic version was written in C, CMINT, by Jason </a:t>
-            </a:r>
-            <a:r>
-              <a:rPr lang="en-GB" dirty="0" err="1"/>
-              <a:t>C.J.Tay</a:t>
-            </a:r>
-            <a:r>
-              <a:rPr lang="en-GB" dirty="0"/>
-              <a:t>. </a:t>
+              <a:t>A generic version was written in C, CMINT, by Jason C.J. Tay. </a:t>
             </a:r>
           </a:p>
           <a:p>

--- a/MINT – Forth’s Kid Brother.pptx
+++ b/MINT – Forth’s Kid Brother.pptx
@@ -8,14 +8,6 @@
     <p:sldId id="256" r:id="rId2"/>
     <p:sldId id="257" r:id="rId3"/>
     <p:sldId id="258" r:id="rId4"/>
-    <p:sldId id="259" r:id="rId5"/>
-    <p:sldId id="260" r:id="rId6"/>
-    <p:sldId id="261" r:id="rId7"/>
-    <p:sldId id="262" r:id="rId8"/>
-    <p:sldId id="263" r:id="rId9"/>
-    <p:sldId id="264" r:id="rId10"/>
-    <p:sldId id="265" r:id="rId11"/>
-    <p:sldId id="266" r:id="rId12"/>
   </p:sldIdLst>
   <p:sldSz cx="12192000" cy="6858000"/>
   <p:notesSz cx="6858000" cy="9144000"/>
@@ -122,273 +114,6 @@
 </p:presentation>
 </file>
 
-<file path=ppt/revisionInfo.xml><?xml version="1.0" encoding="utf-8"?>
-<p1510:revInfo xmlns:a="http://schemas.openxmlformats.org/drawingml/2006/main" xmlns:r="http://schemas.openxmlformats.org/officeDocument/2006/relationships" xmlns:p1510="http://schemas.microsoft.com/office/powerpoint/2015/10/main">
-  <p1510:revLst>
-    <p1510:client id="{0A7CE5CB-19D4-4AF0-A0FA-8E342993492F}" v="16" dt="2025-05-03T13:49:12.939"/>
-  </p1510:revLst>
-</p1510:revInfo>
-</file>
-
-<file path=ppt/changesInfos/changesInfo1.xml><?xml version="1.0" encoding="utf-8"?>
-<pc:chgInfo xmlns:a="http://schemas.openxmlformats.org/drawingml/2006/main" xmlns:r="http://schemas.openxmlformats.org/officeDocument/2006/relationships" xmlns:ac="http://schemas.microsoft.com/office/drawing/2013/main/command" xmlns:pc="http://schemas.microsoft.com/office/powerpoint/2013/main/command">
-  <pc:docChgLst>
-    <pc:chgData name="Ken Boak" userId="11a755eb-d143-4262-935d-151bb2856ecc" providerId="ADAL" clId="{0A7CE5CB-19D4-4AF0-A0FA-8E342993492F}"/>
-    <pc:docChg chg="undo custSel addSld modSld">
-      <pc:chgData name="Ken Boak" userId="11a755eb-d143-4262-935d-151bb2856ecc" providerId="ADAL" clId="{0A7CE5CB-19D4-4AF0-A0FA-8E342993492F}" dt="2025-05-03T13:49:12.939" v="6678" actId="20577"/>
-      <pc:docMkLst>
-        <pc:docMk/>
-      </pc:docMkLst>
-      <pc:sldChg chg="modSp mod">
-        <pc:chgData name="Ken Boak" userId="11a755eb-d143-4262-935d-151bb2856ecc" providerId="ADAL" clId="{0A7CE5CB-19D4-4AF0-A0FA-8E342993492F}" dt="2025-05-03T07:41:28.977" v="2" actId="27636"/>
-        <pc:sldMkLst>
-          <pc:docMk/>
-          <pc:sldMk cId="4219208867" sldId="256"/>
-        </pc:sldMkLst>
-        <pc:spChg chg="mod">
-          <ac:chgData name="Ken Boak" userId="11a755eb-d143-4262-935d-151bb2856ecc" providerId="ADAL" clId="{0A7CE5CB-19D4-4AF0-A0FA-8E342993492F}" dt="2025-05-03T07:41:28.977" v="2" actId="27636"/>
-          <ac:spMkLst>
-            <pc:docMk/>
-            <pc:sldMk cId="4219208867" sldId="256"/>
-            <ac:spMk id="3" creationId="{079251EA-491F-D62E-F426-D86BDDB57E58}"/>
-          </ac:spMkLst>
-        </pc:spChg>
-      </pc:sldChg>
-      <pc:sldChg chg="modSp new mod">
-        <pc:chgData name="Ken Boak" userId="11a755eb-d143-4262-935d-151bb2856ecc" providerId="ADAL" clId="{0A7CE5CB-19D4-4AF0-A0FA-8E342993492F}" dt="2025-05-03T12:43:58.427" v="5582" actId="20577"/>
-        <pc:sldMkLst>
-          <pc:docMk/>
-          <pc:sldMk cId="1406334373" sldId="257"/>
-        </pc:sldMkLst>
-        <pc:spChg chg="mod">
-          <ac:chgData name="Ken Boak" userId="11a755eb-d143-4262-935d-151bb2856ecc" providerId="ADAL" clId="{0A7CE5CB-19D4-4AF0-A0FA-8E342993492F}" dt="2025-05-03T09:25:42.330" v="4487" actId="14100"/>
-          <ac:spMkLst>
-            <pc:docMk/>
-            <pc:sldMk cId="1406334373" sldId="257"/>
-            <ac:spMk id="2" creationId="{7CBAF222-9AAD-5872-829E-87BA2033B972}"/>
-          </ac:spMkLst>
-        </pc:spChg>
-        <pc:spChg chg="mod">
-          <ac:chgData name="Ken Boak" userId="11a755eb-d143-4262-935d-151bb2856ecc" providerId="ADAL" clId="{0A7CE5CB-19D4-4AF0-A0FA-8E342993492F}" dt="2025-05-03T12:43:58.427" v="5582" actId="20577"/>
-          <ac:spMkLst>
-            <pc:docMk/>
-            <pc:sldMk cId="1406334373" sldId="257"/>
-            <ac:spMk id="3" creationId="{CC543800-C8B1-81F6-E383-3E5A96D3448A}"/>
-          </ac:spMkLst>
-        </pc:spChg>
-      </pc:sldChg>
-      <pc:sldChg chg="modSp new mod">
-        <pc:chgData name="Ken Boak" userId="11a755eb-d143-4262-935d-151bb2856ecc" providerId="ADAL" clId="{0A7CE5CB-19D4-4AF0-A0FA-8E342993492F}" dt="2025-05-03T08:05:27.090" v="934" actId="20577"/>
-        <pc:sldMkLst>
-          <pc:docMk/>
-          <pc:sldMk cId="4032922110" sldId="258"/>
-        </pc:sldMkLst>
-        <pc:spChg chg="mod">
-          <ac:chgData name="Ken Boak" userId="11a755eb-d143-4262-935d-151bb2856ecc" providerId="ADAL" clId="{0A7CE5CB-19D4-4AF0-A0FA-8E342993492F}" dt="2025-05-03T08:01:26.837" v="739" actId="14100"/>
-          <ac:spMkLst>
-            <pc:docMk/>
-            <pc:sldMk cId="4032922110" sldId="258"/>
-            <ac:spMk id="2" creationId="{3648E6A4-0335-C68E-C60E-62594595162D}"/>
-          </ac:spMkLst>
-        </pc:spChg>
-        <pc:spChg chg="mod">
-          <ac:chgData name="Ken Boak" userId="11a755eb-d143-4262-935d-151bb2856ecc" providerId="ADAL" clId="{0A7CE5CB-19D4-4AF0-A0FA-8E342993492F}" dt="2025-05-03T08:05:27.090" v="934" actId="20577"/>
-          <ac:spMkLst>
-            <pc:docMk/>
-            <pc:sldMk cId="4032922110" sldId="258"/>
-            <ac:spMk id="3" creationId="{9BCA304E-BF07-640E-6DDC-0D24C4171B9E}"/>
-          </ac:spMkLst>
-        </pc:spChg>
-      </pc:sldChg>
-      <pc:sldChg chg="modSp new mod">
-        <pc:chgData name="Ken Boak" userId="11a755eb-d143-4262-935d-151bb2856ecc" providerId="ADAL" clId="{0A7CE5CB-19D4-4AF0-A0FA-8E342993492F}" dt="2025-05-03T13:47:19.447" v="6656" actId="20577"/>
-        <pc:sldMkLst>
-          <pc:docMk/>
-          <pc:sldMk cId="1536938521" sldId="259"/>
-        </pc:sldMkLst>
-        <pc:spChg chg="mod">
-          <ac:chgData name="Ken Boak" userId="11a755eb-d143-4262-935d-151bb2856ecc" providerId="ADAL" clId="{0A7CE5CB-19D4-4AF0-A0FA-8E342993492F}" dt="2025-05-03T08:39:12.509" v="2328" actId="14100"/>
-          <ac:spMkLst>
-            <pc:docMk/>
-            <pc:sldMk cId="1536938521" sldId="259"/>
-            <ac:spMk id="2" creationId="{E1134623-9A7D-110C-BA8C-4046F2292ABC}"/>
-          </ac:spMkLst>
-        </pc:spChg>
-        <pc:spChg chg="mod">
-          <ac:chgData name="Ken Boak" userId="11a755eb-d143-4262-935d-151bb2856ecc" providerId="ADAL" clId="{0A7CE5CB-19D4-4AF0-A0FA-8E342993492F}" dt="2025-05-03T13:47:19.447" v="6656" actId="20577"/>
-          <ac:spMkLst>
-            <pc:docMk/>
-            <pc:sldMk cId="1536938521" sldId="259"/>
-            <ac:spMk id="3" creationId="{54158477-9282-A1F3-83BB-2F42D44AFC17}"/>
-          </ac:spMkLst>
-        </pc:spChg>
-      </pc:sldChg>
-      <pc:sldChg chg="modSp new mod">
-        <pc:chgData name="Ken Boak" userId="11a755eb-d143-4262-935d-151bb2856ecc" providerId="ADAL" clId="{0A7CE5CB-19D4-4AF0-A0FA-8E342993492F}" dt="2025-05-03T08:46:37.578" v="2716" actId="27636"/>
-        <pc:sldMkLst>
-          <pc:docMk/>
-          <pc:sldMk cId="2316008228" sldId="260"/>
-        </pc:sldMkLst>
-        <pc:spChg chg="mod">
-          <ac:chgData name="Ken Boak" userId="11a755eb-d143-4262-935d-151bb2856ecc" providerId="ADAL" clId="{0A7CE5CB-19D4-4AF0-A0FA-8E342993492F}" dt="2025-05-03T08:39:20.969" v="2330" actId="27636"/>
-          <ac:spMkLst>
-            <pc:docMk/>
-            <pc:sldMk cId="2316008228" sldId="260"/>
-            <ac:spMk id="2" creationId="{B2FF7AF7-449B-B3A7-D600-A8E7477C3ABC}"/>
-          </ac:spMkLst>
-        </pc:spChg>
-        <pc:spChg chg="mod">
-          <ac:chgData name="Ken Boak" userId="11a755eb-d143-4262-935d-151bb2856ecc" providerId="ADAL" clId="{0A7CE5CB-19D4-4AF0-A0FA-8E342993492F}" dt="2025-05-03T08:46:37.578" v="2716" actId="27636"/>
-          <ac:spMkLst>
-            <pc:docMk/>
-            <pc:sldMk cId="2316008228" sldId="260"/>
-            <ac:spMk id="3" creationId="{7C845F0B-7449-5F0B-A5FB-49576503BC0A}"/>
-          </ac:spMkLst>
-        </pc:spChg>
-      </pc:sldChg>
-      <pc:sldChg chg="modSp new mod">
-        <pc:chgData name="Ken Boak" userId="11a755eb-d143-4262-935d-151bb2856ecc" providerId="ADAL" clId="{0A7CE5CB-19D4-4AF0-A0FA-8E342993492F}" dt="2025-05-03T09:09:54.559" v="4038" actId="20577"/>
-        <pc:sldMkLst>
-          <pc:docMk/>
-          <pc:sldMk cId="2723502436" sldId="261"/>
-        </pc:sldMkLst>
-        <pc:spChg chg="mod">
-          <ac:chgData name="Ken Boak" userId="11a755eb-d143-4262-935d-151bb2856ecc" providerId="ADAL" clId="{0A7CE5CB-19D4-4AF0-A0FA-8E342993492F}" dt="2025-05-03T08:47:28.258" v="2725" actId="14100"/>
-          <ac:spMkLst>
-            <pc:docMk/>
-            <pc:sldMk cId="2723502436" sldId="261"/>
-            <ac:spMk id="2" creationId="{F8334C0D-C4FB-E552-57CE-7D8079CA5CE6}"/>
-          </ac:spMkLst>
-        </pc:spChg>
-        <pc:spChg chg="mod">
-          <ac:chgData name="Ken Boak" userId="11a755eb-d143-4262-935d-151bb2856ecc" providerId="ADAL" clId="{0A7CE5CB-19D4-4AF0-A0FA-8E342993492F}" dt="2025-05-03T09:09:54.559" v="4038" actId="20577"/>
-          <ac:spMkLst>
-            <pc:docMk/>
-            <pc:sldMk cId="2723502436" sldId="261"/>
-            <ac:spMk id="3" creationId="{2819057E-2D98-913E-3F5E-5D1730EAE700}"/>
-          </ac:spMkLst>
-        </pc:spChg>
-      </pc:sldChg>
-      <pc:sldChg chg="modSp new mod">
-        <pc:chgData name="Ken Boak" userId="11a755eb-d143-4262-935d-151bb2856ecc" providerId="ADAL" clId="{0A7CE5CB-19D4-4AF0-A0FA-8E342993492F}" dt="2025-05-03T13:09:33.538" v="5587" actId="20577"/>
-        <pc:sldMkLst>
-          <pc:docMk/>
-          <pc:sldMk cId="2650223127" sldId="262"/>
-        </pc:sldMkLst>
-        <pc:spChg chg="mod">
-          <ac:chgData name="Ken Boak" userId="11a755eb-d143-4262-935d-151bb2856ecc" providerId="ADAL" clId="{0A7CE5CB-19D4-4AF0-A0FA-8E342993492F}" dt="2025-05-03T12:43:45.420" v="5580" actId="20577"/>
-          <ac:spMkLst>
-            <pc:docMk/>
-            <pc:sldMk cId="2650223127" sldId="262"/>
-            <ac:spMk id="2" creationId="{095C9B21-D72A-2163-94E8-4267228CBADF}"/>
-          </ac:spMkLst>
-        </pc:spChg>
-        <pc:spChg chg="mod">
-          <ac:chgData name="Ken Boak" userId="11a755eb-d143-4262-935d-151bb2856ecc" providerId="ADAL" clId="{0A7CE5CB-19D4-4AF0-A0FA-8E342993492F}" dt="2025-05-03T13:09:33.538" v="5587" actId="20577"/>
-          <ac:spMkLst>
-            <pc:docMk/>
-            <pc:sldMk cId="2650223127" sldId="262"/>
-            <ac:spMk id="3" creationId="{A56DE81B-3799-E92A-4616-57FE06E73D12}"/>
-          </ac:spMkLst>
-        </pc:spChg>
-      </pc:sldChg>
-      <pc:sldChg chg="addSp modSp new mod">
-        <pc:chgData name="Ken Boak" userId="11a755eb-d143-4262-935d-151bb2856ecc" providerId="ADAL" clId="{0A7CE5CB-19D4-4AF0-A0FA-8E342993492F}" dt="2025-05-03T09:19:56.191" v="4385" actId="20577"/>
-        <pc:sldMkLst>
-          <pc:docMk/>
-          <pc:sldMk cId="1113940874" sldId="263"/>
-        </pc:sldMkLst>
-        <pc:spChg chg="add mod">
-          <ac:chgData name="Ken Boak" userId="11a755eb-d143-4262-935d-151bb2856ecc" providerId="ADAL" clId="{0A7CE5CB-19D4-4AF0-A0FA-8E342993492F}" dt="2025-05-03T09:19:56.191" v="4385" actId="20577"/>
-          <ac:spMkLst>
-            <pc:docMk/>
-            <pc:sldMk cId="1113940874" sldId="263"/>
-            <ac:spMk id="4" creationId="{3C29C20A-65EA-118F-461B-A30EB4270495}"/>
-          </ac:spMkLst>
-        </pc:spChg>
-        <pc:picChg chg="add mod">
-          <ac:chgData name="Ken Boak" userId="11a755eb-d143-4262-935d-151bb2856ecc" providerId="ADAL" clId="{0A7CE5CB-19D4-4AF0-A0FA-8E342993492F}" dt="2025-05-03T09:18:07.778" v="4316" actId="1076"/>
-          <ac:picMkLst>
-            <pc:docMk/>
-            <pc:sldMk cId="1113940874" sldId="263"/>
-            <ac:picMk id="3" creationId="{A3C3F33B-8A1A-E430-C9EE-AC83400BE679}"/>
-          </ac:picMkLst>
-        </pc:picChg>
-      </pc:sldChg>
-      <pc:sldChg chg="addSp modSp new mod modClrScheme chgLayout">
-        <pc:chgData name="Ken Boak" userId="11a755eb-d143-4262-935d-151bb2856ecc" providerId="ADAL" clId="{0A7CE5CB-19D4-4AF0-A0FA-8E342993492F}" dt="2025-05-03T09:56:16.710" v="5547" actId="14100"/>
-        <pc:sldMkLst>
-          <pc:docMk/>
-          <pc:sldMk cId="2696922941" sldId="264"/>
-        </pc:sldMkLst>
-        <pc:spChg chg="add mod">
-          <ac:chgData name="Ken Boak" userId="11a755eb-d143-4262-935d-151bb2856ecc" providerId="ADAL" clId="{0A7CE5CB-19D4-4AF0-A0FA-8E342993492F}" dt="2025-05-03T09:56:08.932" v="5546" actId="14100"/>
-          <ac:spMkLst>
-            <pc:docMk/>
-            <pc:sldMk cId="2696922941" sldId="264"/>
-            <ac:spMk id="2" creationId="{221F380C-6820-9698-196C-8602ED576526}"/>
-          </ac:spMkLst>
-        </pc:spChg>
-        <pc:spChg chg="add mod">
-          <ac:chgData name="Ken Boak" userId="11a755eb-d143-4262-935d-151bb2856ecc" providerId="ADAL" clId="{0A7CE5CB-19D4-4AF0-A0FA-8E342993492F}" dt="2025-05-03T09:56:16.710" v="5547" actId="14100"/>
-          <ac:spMkLst>
-            <pc:docMk/>
-            <pc:sldMk cId="2696922941" sldId="264"/>
-            <ac:spMk id="3" creationId="{B1088206-CEAC-01F4-0457-3F5D092E3DF5}"/>
-          </ac:spMkLst>
-        </pc:spChg>
-      </pc:sldChg>
-      <pc:sldChg chg="modSp new mod">
-        <pc:chgData name="Ken Boak" userId="11a755eb-d143-4262-935d-151bb2856ecc" providerId="ADAL" clId="{0A7CE5CB-19D4-4AF0-A0FA-8E342993492F}" dt="2025-05-03T13:25:11.640" v="6297" actId="14100"/>
-        <pc:sldMkLst>
-          <pc:docMk/>
-          <pc:sldMk cId="4225111017" sldId="265"/>
-        </pc:sldMkLst>
-        <pc:spChg chg="mod">
-          <ac:chgData name="Ken Boak" userId="11a755eb-d143-4262-935d-151bb2856ecc" providerId="ADAL" clId="{0A7CE5CB-19D4-4AF0-A0FA-8E342993492F}" dt="2025-05-03T13:25:06.243" v="6296" actId="27636"/>
-          <ac:spMkLst>
-            <pc:docMk/>
-            <pc:sldMk cId="4225111017" sldId="265"/>
-            <ac:spMk id="2" creationId="{591EE1D2-B635-FD4F-64F5-618E27DCCA39}"/>
-          </ac:spMkLst>
-        </pc:spChg>
-        <pc:spChg chg="mod">
-          <ac:chgData name="Ken Boak" userId="11a755eb-d143-4262-935d-151bb2856ecc" providerId="ADAL" clId="{0A7CE5CB-19D4-4AF0-A0FA-8E342993492F}" dt="2025-05-03T13:25:11.640" v="6297" actId="14100"/>
-          <ac:spMkLst>
-            <pc:docMk/>
-            <pc:sldMk cId="4225111017" sldId="265"/>
-            <ac:spMk id="3" creationId="{5AEBF832-E104-1C4F-2B2E-CFF2F7852D56}"/>
-          </ac:spMkLst>
-        </pc:spChg>
-      </pc:sldChg>
-      <pc:sldChg chg="modSp new mod">
-        <pc:chgData name="Ken Boak" userId="11a755eb-d143-4262-935d-151bb2856ecc" providerId="ADAL" clId="{0A7CE5CB-19D4-4AF0-A0FA-8E342993492F}" dt="2025-05-03T13:49:12.939" v="6678" actId="20577"/>
-        <pc:sldMkLst>
-          <pc:docMk/>
-          <pc:sldMk cId="2028375043" sldId="266"/>
-        </pc:sldMkLst>
-        <pc:spChg chg="mod">
-          <ac:chgData name="Ken Boak" userId="11a755eb-d143-4262-935d-151bb2856ecc" providerId="ADAL" clId="{0A7CE5CB-19D4-4AF0-A0FA-8E342993492F}" dt="2025-05-03T13:27:53.281" v="6321" actId="27636"/>
-          <ac:spMkLst>
-            <pc:docMk/>
-            <pc:sldMk cId="2028375043" sldId="266"/>
-            <ac:spMk id="2" creationId="{C8FDCE71-E24A-A352-17BC-F108104399FD}"/>
-          </ac:spMkLst>
-        </pc:spChg>
-        <pc:spChg chg="mod">
-          <ac:chgData name="Ken Boak" userId="11a755eb-d143-4262-935d-151bb2856ecc" providerId="ADAL" clId="{0A7CE5CB-19D4-4AF0-A0FA-8E342993492F}" dt="2025-05-03T13:49:12.939" v="6678" actId="20577"/>
-          <ac:spMkLst>
-            <pc:docMk/>
-            <pc:sldMk cId="2028375043" sldId="266"/>
-            <ac:spMk id="3" creationId="{084BB834-CB49-8DD0-B9C3-5B74548F34A9}"/>
-          </ac:spMkLst>
-        </pc:spChg>
-      </pc:sldChg>
-    </pc:docChg>
-  </pc:docChgLst>
-</pc:chgInfo>
-</file>
-
 <file path=ppt/slideLayouts/slideLayout1.xml><?xml version="1.0" encoding="utf-8"?>
 <p:sldLayout xmlns:a="http://schemas.openxmlformats.org/drawingml/2006/main" xmlns:r="http://schemas.openxmlformats.org/officeDocument/2006/relationships" xmlns:p="http://schemas.openxmlformats.org/presentationml/2006/main" type="title" preserve="1">
   <p:cSld name="Title Slide">
@@ -538,7 +263,7 @@
           <a:p>
             <a:fld id="{1F88C5A2-C7B1-4A13-9246-5788B2CC2F63}" type="datetimeFigureOut">
               <a:rPr lang="en-GB" smtClean="0"/>
-              <a:t>03/05/2025</a:t>
+              <a:t>04/05/2025</a:t>
             </a:fld>
             <a:endParaRPr lang="en-GB"/>
           </a:p>
@@ -738,7 +463,7 @@
           <a:p>
             <a:fld id="{1F88C5A2-C7B1-4A13-9246-5788B2CC2F63}" type="datetimeFigureOut">
               <a:rPr lang="en-GB" smtClean="0"/>
-              <a:t>03/05/2025</a:t>
+              <a:t>04/05/2025</a:t>
             </a:fld>
             <a:endParaRPr lang="en-GB"/>
           </a:p>
@@ -948,7 +673,7 @@
           <a:p>
             <a:fld id="{1F88C5A2-C7B1-4A13-9246-5788B2CC2F63}" type="datetimeFigureOut">
               <a:rPr lang="en-GB" smtClean="0"/>
-              <a:t>03/05/2025</a:t>
+              <a:t>04/05/2025</a:t>
             </a:fld>
             <a:endParaRPr lang="en-GB"/>
           </a:p>
@@ -1148,7 +873,7 @@
           <a:p>
             <a:fld id="{1F88C5A2-C7B1-4A13-9246-5788B2CC2F63}" type="datetimeFigureOut">
               <a:rPr lang="en-GB" smtClean="0"/>
-              <a:t>03/05/2025</a:t>
+              <a:t>04/05/2025</a:t>
             </a:fld>
             <a:endParaRPr lang="en-GB"/>
           </a:p>
@@ -1424,7 +1149,7 @@
           <a:p>
             <a:fld id="{1F88C5A2-C7B1-4A13-9246-5788B2CC2F63}" type="datetimeFigureOut">
               <a:rPr lang="en-GB" smtClean="0"/>
-              <a:t>03/05/2025</a:t>
+              <a:t>04/05/2025</a:t>
             </a:fld>
             <a:endParaRPr lang="en-GB"/>
           </a:p>
@@ -1692,7 +1417,7 @@
           <a:p>
             <a:fld id="{1F88C5A2-C7B1-4A13-9246-5788B2CC2F63}" type="datetimeFigureOut">
               <a:rPr lang="en-GB" smtClean="0"/>
-              <a:t>03/05/2025</a:t>
+              <a:t>04/05/2025</a:t>
             </a:fld>
             <a:endParaRPr lang="en-GB"/>
           </a:p>
@@ -2107,7 +1832,7 @@
           <a:p>
             <a:fld id="{1F88C5A2-C7B1-4A13-9246-5788B2CC2F63}" type="datetimeFigureOut">
               <a:rPr lang="en-GB" smtClean="0"/>
-              <a:t>03/05/2025</a:t>
+              <a:t>04/05/2025</a:t>
             </a:fld>
             <a:endParaRPr lang="en-GB"/>
           </a:p>
@@ -2249,7 +1974,7 @@
           <a:p>
             <a:fld id="{1F88C5A2-C7B1-4A13-9246-5788B2CC2F63}" type="datetimeFigureOut">
               <a:rPr lang="en-GB" smtClean="0"/>
-              <a:t>03/05/2025</a:t>
+              <a:t>04/05/2025</a:t>
             </a:fld>
             <a:endParaRPr lang="en-GB"/>
           </a:p>
@@ -2362,7 +2087,7 @@
           <a:p>
             <a:fld id="{1F88C5A2-C7B1-4A13-9246-5788B2CC2F63}" type="datetimeFigureOut">
               <a:rPr lang="en-GB" smtClean="0"/>
-              <a:t>03/05/2025</a:t>
+              <a:t>04/05/2025</a:t>
             </a:fld>
             <a:endParaRPr lang="en-GB"/>
           </a:p>
@@ -2675,7 +2400,7 @@
           <a:p>
             <a:fld id="{1F88C5A2-C7B1-4A13-9246-5788B2CC2F63}" type="datetimeFigureOut">
               <a:rPr lang="en-GB" smtClean="0"/>
-              <a:t>03/05/2025</a:t>
+              <a:t>04/05/2025</a:t>
             </a:fld>
             <a:endParaRPr lang="en-GB"/>
           </a:p>
@@ -2964,7 +2689,7 @@
           <a:p>
             <a:fld id="{1F88C5A2-C7B1-4A13-9246-5788B2CC2F63}" type="datetimeFigureOut">
               <a:rPr lang="en-GB" smtClean="0"/>
-              <a:t>03/05/2025</a:t>
+              <a:t>04/05/2025</a:t>
             </a:fld>
             <a:endParaRPr lang="en-GB"/>
           </a:p>
@@ -3207,7 +2932,7 @@
           <a:p>
             <a:fld id="{1F88C5A2-C7B1-4A13-9246-5788B2CC2F63}" type="datetimeFigureOut">
               <a:rPr lang="en-GB" smtClean="0"/>
-              <a:t>03/05/2025</a:t>
+              <a:t>04/05/2025</a:t>
             </a:fld>
             <a:endParaRPr lang="en-GB"/>
           </a:p>
@@ -3734,377 +3459,6 @@
 </p:sld>
 </file>
 
-<file path=ppt/slides/slide10.xml><?xml version="1.0" encoding="utf-8"?>
-<p:sld xmlns:a="http://schemas.openxmlformats.org/drawingml/2006/main" xmlns:r="http://schemas.openxmlformats.org/officeDocument/2006/relationships" xmlns:p="http://schemas.openxmlformats.org/presentationml/2006/main">
-  <p:cSld>
-    <p:spTree>
-      <p:nvGrpSpPr>
-        <p:cNvPr id="1" name=""/>
-        <p:cNvGrpSpPr/>
-        <p:nvPr/>
-      </p:nvGrpSpPr>
-      <p:grpSpPr>
-        <a:xfrm>
-          <a:off x="0" y="0"/>
-          <a:ext cx="0" cy="0"/>
-          <a:chOff x="0" y="0"/>
-          <a:chExt cx="0" cy="0"/>
-        </a:xfrm>
-      </p:grpSpPr>
-      <p:sp>
-        <p:nvSpPr>
-          <p:cNvPr id="2" name="Title 1">
-            <a:extLst>
-              <a:ext uri="{FF2B5EF4-FFF2-40B4-BE49-F238E27FC236}">
-                <a16:creationId xmlns:a16="http://schemas.microsoft.com/office/drawing/2014/main" id="{591EE1D2-B635-FD4F-64F5-618E27DCCA39}"/>
-              </a:ext>
-            </a:extLst>
-          </p:cNvPr>
-          <p:cNvSpPr>
-            <a:spLocks noGrp="1"/>
-          </p:cNvSpPr>
-          <p:nvPr>
-            <p:ph type="title"/>
-          </p:nvPr>
-        </p:nvSpPr>
-        <p:spPr>
-          <a:xfrm>
-            <a:off x="0" y="331393"/>
-            <a:ext cx="11353800" cy="681198"/>
-          </a:xfrm>
-        </p:spPr>
-        <p:txBody>
-          <a:bodyPr>
-            <a:normAutofit fontScale="90000"/>
-          </a:bodyPr>
-          <a:lstStyle/>
-          <a:p>
-            <a:r>
-              <a:rPr lang="en-GB" dirty="0"/>
-              <a:t>Applications and Future Work</a:t>
-            </a:r>
-          </a:p>
-        </p:txBody>
-      </p:sp>
-      <p:sp>
-        <p:nvSpPr>
-          <p:cNvPr id="3" name="Content Placeholder 2">
-            <a:extLst>
-              <a:ext uri="{FF2B5EF4-FFF2-40B4-BE49-F238E27FC236}">
-                <a16:creationId xmlns:a16="http://schemas.microsoft.com/office/drawing/2014/main" id="{5AEBF832-E104-1C4F-2B2E-CFF2F7852D56}"/>
-              </a:ext>
-            </a:extLst>
-          </p:cNvPr>
-          <p:cNvSpPr>
-            <a:spLocks noGrp="1"/>
-          </p:cNvSpPr>
-          <p:nvPr>
-            <p:ph idx="1"/>
-          </p:nvPr>
-        </p:nvSpPr>
-        <p:spPr>
-          <a:xfrm>
-            <a:off x="0" y="1110782"/>
-            <a:ext cx="12192000" cy="5747218"/>
-          </a:xfrm>
-        </p:spPr>
-        <p:txBody>
-          <a:bodyPr/>
-          <a:lstStyle/>
-          <a:p>
-            <a:r>
-              <a:rPr lang="en-GB" dirty="0"/>
-              <a:t>MINT has acquired a small, dedicated following within the TEC-1 Community.</a:t>
-            </a:r>
-          </a:p>
-          <a:p>
-            <a:r>
-              <a:rPr lang="en-GB" dirty="0"/>
-              <a:t>Some of you will know of my passion for “Minimalist Computing”. I am slowly working towards a CPU design in 74HCxx logic or FPGA that executes MINT as its native assembly language. Inspired by James Bowman’s J1 Forth CPU.</a:t>
-            </a:r>
-          </a:p>
-          <a:p>
-            <a:r>
-              <a:rPr lang="en-GB" dirty="0"/>
-              <a:t>MINT has a very limited symbol set. Using Python or similar, a cross assembler could be developed to automate the build of MINT for many MCUs</a:t>
-            </a:r>
-          </a:p>
-          <a:p>
-            <a:r>
-              <a:rPr lang="en-GB" dirty="0"/>
-              <a:t>Python scripts could not only automate the assembly of MINT, but decompress/disassemble  it to less terse words and convert a high level language program to MINT primitives.</a:t>
-            </a:r>
-          </a:p>
-        </p:txBody>
-      </p:sp>
-    </p:spTree>
-    <p:extLst>
-      <p:ext uri="{BB962C8B-B14F-4D97-AF65-F5344CB8AC3E}">
-        <p14:creationId xmlns:p14="http://schemas.microsoft.com/office/powerpoint/2010/main" val="4225111017"/>
-      </p:ext>
-    </p:extLst>
-  </p:cSld>
-  <p:clrMapOvr>
-    <a:masterClrMapping/>
-  </p:clrMapOvr>
-</p:sld>
-</file>
-
-<file path=ppt/slides/slide11.xml><?xml version="1.0" encoding="utf-8"?>
-<p:sld xmlns:a="http://schemas.openxmlformats.org/drawingml/2006/main" xmlns:r="http://schemas.openxmlformats.org/officeDocument/2006/relationships" xmlns:p="http://schemas.openxmlformats.org/presentationml/2006/main">
-  <p:cSld>
-    <p:spTree>
-      <p:nvGrpSpPr>
-        <p:cNvPr id="1" name=""/>
-        <p:cNvGrpSpPr/>
-        <p:nvPr/>
-      </p:nvGrpSpPr>
-      <p:grpSpPr>
-        <a:xfrm>
-          <a:off x="0" y="0"/>
-          <a:ext cx="0" cy="0"/>
-          <a:chOff x="0" y="0"/>
-          <a:chExt cx="0" cy="0"/>
-        </a:xfrm>
-      </p:grpSpPr>
-      <p:sp>
-        <p:nvSpPr>
-          <p:cNvPr id="2" name="Title 1">
-            <a:extLst>
-              <a:ext uri="{FF2B5EF4-FFF2-40B4-BE49-F238E27FC236}">
-                <a16:creationId xmlns:a16="http://schemas.microsoft.com/office/drawing/2014/main" id="{C8FDCE71-E24A-A352-17BC-F108104399FD}"/>
-              </a:ext>
-            </a:extLst>
-          </p:cNvPr>
-          <p:cNvSpPr>
-            <a:spLocks noGrp="1"/>
-          </p:cNvSpPr>
-          <p:nvPr>
-            <p:ph type="title"/>
-          </p:nvPr>
-        </p:nvSpPr>
-        <p:spPr>
-          <a:xfrm>
-            <a:off x="838200" y="365126"/>
-            <a:ext cx="10515600" cy="475632"/>
-          </a:xfrm>
-        </p:spPr>
-        <p:txBody>
-          <a:bodyPr>
-            <a:normAutofit fontScale="90000"/>
-          </a:bodyPr>
-          <a:lstStyle/>
-          <a:p>
-            <a:r>
-              <a:rPr lang="en-GB" dirty="0"/>
-              <a:t>Links and Resources</a:t>
-            </a:r>
-          </a:p>
-        </p:txBody>
-      </p:sp>
-      <p:sp>
-        <p:nvSpPr>
-          <p:cNvPr id="3" name="Content Placeholder 2">
-            <a:extLst>
-              <a:ext uri="{FF2B5EF4-FFF2-40B4-BE49-F238E27FC236}">
-                <a16:creationId xmlns:a16="http://schemas.microsoft.com/office/drawing/2014/main" id="{084BB834-CB49-8DD0-B9C3-5B74548F34A9}"/>
-              </a:ext>
-            </a:extLst>
-          </p:cNvPr>
-          <p:cNvSpPr>
-            <a:spLocks noGrp="1"/>
-          </p:cNvSpPr>
-          <p:nvPr>
-            <p:ph idx="1"/>
-          </p:nvPr>
-        </p:nvSpPr>
-        <p:spPr>
-          <a:xfrm>
-            <a:off x="0" y="1239656"/>
-            <a:ext cx="12192000" cy="5618344"/>
-          </a:xfrm>
-        </p:spPr>
-        <p:txBody>
-          <a:bodyPr>
-            <a:normAutofit lnSpcReduction="10000"/>
-          </a:bodyPr>
-          <a:lstStyle/>
-          <a:p>
-            <a:r>
-              <a:rPr lang="en-GB" dirty="0" err="1"/>
-              <a:t>Tytzyme</a:t>
-            </a:r>
-            <a:r>
-              <a:rPr lang="en-GB" dirty="0"/>
-              <a:t> – Ward Cunningham  </a:t>
-            </a:r>
-            <a:r>
-              <a:rPr lang="en-GB" dirty="0">
-                <a:hlinkClick r:id="rId2"/>
-              </a:rPr>
-              <a:t>https://github.com/WardCunningham/Txtzyme</a:t>
-            </a:r>
-            <a:endParaRPr lang="en-GB" dirty="0"/>
-          </a:p>
-          <a:p>
-            <a:r>
-              <a:rPr lang="en-GB" dirty="0" err="1"/>
-              <a:t>TinyForth</a:t>
-            </a:r>
-            <a:r>
-              <a:rPr lang="en-GB" dirty="0"/>
-              <a:t> - </a:t>
-            </a:r>
-            <a:r>
-              <a:rPr lang="en-GB" b="0" i="1" dirty="0">
-                <a:solidFill>
-                  <a:srgbClr val="000000"/>
-                </a:solidFill>
-                <a:effectLst/>
-                <a:latin typeface="Times New Roman" panose="02020603050405020304" pitchFamily="18" charset="0"/>
-              </a:rPr>
-              <a:t>T. Nakagawa  </a:t>
-            </a:r>
-            <a:r>
-              <a:rPr lang="en-GB" dirty="0"/>
-              <a:t>(Japanese – use Google translate)  - </a:t>
-            </a:r>
-            <a:r>
-              <a:rPr lang="en-GB" dirty="0">
-                <a:hlinkClick r:id="rId3"/>
-              </a:rPr>
-              <a:t>http://middleriver.chagasi.com/electronics/tforth.html</a:t>
-            </a:r>
-            <a:endParaRPr lang="en-GB" dirty="0"/>
-          </a:p>
-          <a:p>
-            <a:r>
-              <a:rPr lang="en-GB" dirty="0"/>
-              <a:t>SIMPL -  </a:t>
-            </a:r>
-            <a:r>
-              <a:rPr lang="en-GB" dirty="0">
-                <a:hlinkClick r:id="rId4"/>
-              </a:rPr>
-              <a:t>https://github.com/monsonite/SIMPL</a:t>
-            </a:r>
-            <a:endParaRPr lang="en-GB" dirty="0"/>
-          </a:p>
-          <a:p>
-            <a:r>
-              <a:rPr lang="en-GB" dirty="0"/>
-              <a:t>STABLE -  </a:t>
-            </a:r>
-            <a:r>
-              <a:rPr lang="en-GB" dirty="0">
-                <a:hlinkClick r:id="rId5"/>
-              </a:rPr>
-              <a:t>https://w3group.de/stable.html</a:t>
-            </a:r>
-            <a:endParaRPr lang="en-GB" dirty="0"/>
-          </a:p>
-          <a:p>
-            <a:r>
-              <a:rPr lang="en-GB" dirty="0"/>
-              <a:t>MINT (Z80) -  </a:t>
-            </a:r>
-            <a:r>
-              <a:rPr lang="en-GB" dirty="0">
-                <a:hlinkClick r:id="rId6"/>
-              </a:rPr>
-              <a:t>https://github.com/orgMINT</a:t>
-            </a:r>
-            <a:endParaRPr lang="en-GB" dirty="0"/>
-          </a:p>
-          <a:p>
-            <a:r>
-              <a:rPr lang="en-GB" dirty="0"/>
-              <a:t>MINT (6502) -  </a:t>
-            </a:r>
-            <a:r>
-              <a:rPr lang="en-GB" dirty="0">
-                <a:hlinkClick r:id="rId7"/>
-              </a:rPr>
-              <a:t>https://github.com/agsb/6502.MINT</a:t>
-            </a:r>
-            <a:endParaRPr lang="en-GB" dirty="0"/>
-          </a:p>
-          <a:p>
-            <a:r>
-              <a:rPr lang="en-GB" dirty="0"/>
-              <a:t>CMINT -  </a:t>
-            </a:r>
-            <a:r>
-              <a:rPr lang="en-GB" dirty="0">
-                <a:hlinkClick r:id="rId8"/>
-              </a:rPr>
-              <a:t>https://github.com/trozodejamon/CMINT</a:t>
-            </a:r>
-            <a:endParaRPr lang="en-GB" dirty="0"/>
-          </a:p>
-          <a:p>
-            <a:r>
-              <a:rPr lang="en-GB" dirty="0"/>
-              <a:t>MINT Computing  - </a:t>
-            </a:r>
-            <a:r>
-              <a:rPr lang="en-GB" dirty="0">
-                <a:hlinkClick r:id="rId9"/>
-              </a:rPr>
-              <a:t>https://www.facebook.com/groups/278238447530031</a:t>
-            </a:r>
-            <a:endParaRPr lang="en-GB" dirty="0"/>
-          </a:p>
-          <a:p>
-            <a:r>
-              <a:rPr lang="en-GB" dirty="0"/>
-              <a:t>Minimalist Computing </a:t>
-            </a:r>
-            <a:r>
-              <a:rPr lang="en-GB" dirty="0">
-                <a:hlinkClick r:id="rId10"/>
-              </a:rPr>
-              <a:t>https://www.facebook.com/groups/minimalistcomputing</a:t>
-            </a:r>
-            <a:endParaRPr lang="en-GB" dirty="0"/>
-          </a:p>
-          <a:p>
-            <a:r>
-              <a:rPr lang="en-GB" dirty="0"/>
-              <a:t> Suite-16  - </a:t>
-            </a:r>
-            <a:r>
-              <a:rPr lang="en-GB" dirty="0">
-                <a:hlinkClick r:id="rId11"/>
-              </a:rPr>
-              <a:t>https://hackaday.io/project/168025-suite-16</a:t>
-            </a:r>
-            <a:endParaRPr lang="en-GB" dirty="0"/>
-          </a:p>
-          <a:p>
-            <a:endParaRPr lang="en-GB" dirty="0"/>
-          </a:p>
-          <a:p>
-            <a:endParaRPr lang="en-GB" dirty="0"/>
-          </a:p>
-          <a:p>
-            <a:endParaRPr lang="en-GB" dirty="0"/>
-          </a:p>
-        </p:txBody>
-      </p:sp>
-    </p:spTree>
-    <p:extLst>
-      <p:ext uri="{BB962C8B-B14F-4D97-AF65-F5344CB8AC3E}">
-        <p14:creationId xmlns:p14="http://schemas.microsoft.com/office/powerpoint/2010/main" val="2028375043"/>
-      </p:ext>
-    </p:extLst>
-  </p:cSld>
-  <p:clrMapOvr>
-    <a:masterClrMapping/>
-  </p:clrMapOvr>
-</p:sld>
-</file>
-
 <file path=ppt/slides/slide2.xml><?xml version="1.0" encoding="utf-8"?>
 <p:sld xmlns:a="http://schemas.openxmlformats.org/drawingml/2006/main" xmlns:r="http://schemas.openxmlformats.org/officeDocument/2006/relationships" xmlns:p="http://schemas.openxmlformats.org/presentationml/2006/main">
   <p:cSld>
@@ -4610,1123 +3964,6 @@
     <p:extLst>
       <p:ext uri="{BB962C8B-B14F-4D97-AF65-F5344CB8AC3E}">
         <p14:creationId xmlns:p14="http://schemas.microsoft.com/office/powerpoint/2010/main" val="4032922110"/>
-      </p:ext>
-    </p:extLst>
-  </p:cSld>
-  <p:clrMapOvr>
-    <a:masterClrMapping/>
-  </p:clrMapOvr>
-</p:sld>
-</file>
-
-<file path=ppt/slides/slide4.xml><?xml version="1.0" encoding="utf-8"?>
-<p:sld xmlns:a="http://schemas.openxmlformats.org/drawingml/2006/main" xmlns:r="http://schemas.openxmlformats.org/officeDocument/2006/relationships" xmlns:p="http://schemas.openxmlformats.org/presentationml/2006/main">
-  <p:cSld>
-    <p:spTree>
-      <p:nvGrpSpPr>
-        <p:cNvPr id="1" name=""/>
-        <p:cNvGrpSpPr/>
-        <p:nvPr/>
-      </p:nvGrpSpPr>
-      <p:grpSpPr>
-        <a:xfrm>
-          <a:off x="0" y="0"/>
-          <a:ext cx="0" cy="0"/>
-          <a:chOff x="0" y="0"/>
-          <a:chExt cx="0" cy="0"/>
-        </a:xfrm>
-      </p:grpSpPr>
-      <p:sp>
-        <p:nvSpPr>
-          <p:cNvPr id="2" name="Title 1">
-            <a:extLst>
-              <a:ext uri="{FF2B5EF4-FFF2-40B4-BE49-F238E27FC236}">
-                <a16:creationId xmlns:a16="http://schemas.microsoft.com/office/drawing/2014/main" id="{E1134623-9A7D-110C-BA8C-4046F2292ABC}"/>
-              </a:ext>
-            </a:extLst>
-          </p:cNvPr>
-          <p:cNvSpPr>
-            <a:spLocks noGrp="1"/>
-          </p:cNvSpPr>
-          <p:nvPr>
-            <p:ph type="title"/>
-          </p:nvPr>
-        </p:nvSpPr>
-        <p:spPr>
-          <a:xfrm>
-            <a:off x="0" y="85916"/>
-            <a:ext cx="12192000" cy="730293"/>
-          </a:xfrm>
-        </p:spPr>
-        <p:txBody>
-          <a:bodyPr>
-            <a:normAutofit/>
-          </a:bodyPr>
-          <a:lstStyle/>
-          <a:p>
-            <a:r>
-              <a:rPr lang="en-GB" dirty="0"/>
-              <a:t>The Evolution of  MINT – a little history:- Part 1.</a:t>
-            </a:r>
-          </a:p>
-        </p:txBody>
-      </p:sp>
-      <p:sp>
-        <p:nvSpPr>
-          <p:cNvPr id="3" name="Content Placeholder 2">
-            <a:extLst>
-              <a:ext uri="{FF2B5EF4-FFF2-40B4-BE49-F238E27FC236}">
-                <a16:creationId xmlns:a16="http://schemas.microsoft.com/office/drawing/2014/main" id="{54158477-9282-A1F3-83BB-2F42D44AFC17}"/>
-              </a:ext>
-            </a:extLst>
-          </p:cNvPr>
-          <p:cNvSpPr>
-            <a:spLocks noGrp="1"/>
-          </p:cNvSpPr>
-          <p:nvPr>
-            <p:ph idx="1"/>
-          </p:nvPr>
-        </p:nvSpPr>
-        <p:spPr>
-          <a:xfrm>
-            <a:off x="0" y="662787"/>
-            <a:ext cx="12191999" cy="6195214"/>
-          </a:xfrm>
-        </p:spPr>
-        <p:txBody>
-          <a:bodyPr>
-            <a:noAutofit/>
-          </a:bodyPr>
-          <a:lstStyle/>
-          <a:p>
-            <a:endParaRPr lang="en-GB" dirty="0"/>
-          </a:p>
-          <a:p>
-            <a:r>
-              <a:rPr lang="en-GB" dirty="0"/>
-              <a:t>It started with </a:t>
-            </a:r>
-            <a:r>
-              <a:rPr lang="en-GB" dirty="0" err="1"/>
-              <a:t>TinyForth</a:t>
-            </a:r>
-            <a:r>
-              <a:rPr lang="en-GB" dirty="0"/>
-              <a:t> by </a:t>
-            </a:r>
-            <a:r>
-              <a:rPr lang="en-GB" b="0" dirty="0">
-                <a:solidFill>
-                  <a:srgbClr val="000000"/>
-                </a:solidFill>
-                <a:effectLst/>
-                <a:latin typeface="Times New Roman" panose="02020603050405020304" pitchFamily="18" charset="0"/>
-              </a:rPr>
-              <a:t>T. Nakagawa  in 2004, a cut down Forth similar in philosophy to </a:t>
-            </a:r>
-            <a:r>
-              <a:rPr lang="en-GB" b="0" dirty="0" err="1">
-                <a:solidFill>
-                  <a:srgbClr val="000000"/>
-                </a:solidFill>
-                <a:effectLst/>
-                <a:latin typeface="Times New Roman" panose="02020603050405020304" pitchFamily="18" charset="0"/>
-              </a:rPr>
-              <a:t>TinyBASIC</a:t>
-            </a:r>
-            <a:r>
-              <a:rPr lang="en-GB" b="0" dirty="0">
-                <a:solidFill>
-                  <a:srgbClr val="000000"/>
-                </a:solidFill>
-                <a:effectLst/>
-                <a:latin typeface="Times New Roman" panose="02020603050405020304" pitchFamily="18" charset="0"/>
-              </a:rPr>
-              <a:t>.</a:t>
-            </a:r>
-            <a:endParaRPr lang="en-GB" dirty="0"/>
-          </a:p>
-          <a:p>
-            <a:r>
-              <a:rPr lang="en-GB" dirty="0"/>
-              <a:t>In 2011, Ward Cunningham wrote </a:t>
-            </a:r>
-            <a:r>
-              <a:rPr lang="en-GB" dirty="0" err="1"/>
-              <a:t>Txtzyme</a:t>
-            </a:r>
-            <a:r>
-              <a:rPr lang="en-GB" dirty="0"/>
-              <a:t> a tiny interpreter to run on Arduino</a:t>
-            </a:r>
-          </a:p>
-          <a:p>
-            <a:r>
-              <a:rPr lang="en-GB" dirty="0"/>
-              <a:t>It had just 13 commands, one variable x, no arithmetic, no stacks, no  : ; </a:t>
-            </a:r>
-            <a:r>
-              <a:rPr lang="en-GB" dirty="0" err="1"/>
-              <a:t>defs</a:t>
-            </a:r>
-            <a:r>
-              <a:rPr lang="en-GB" dirty="0"/>
-              <a:t>. </a:t>
-            </a:r>
-          </a:p>
-          <a:p>
-            <a:r>
-              <a:rPr lang="en-GB" dirty="0"/>
-              <a:t>It provided an immediate interpreted environment to interact with the  I/O.</a:t>
-            </a:r>
-          </a:p>
-          <a:p>
-            <a:r>
-              <a:rPr lang="en-GB" dirty="0"/>
-              <a:t>I came across </a:t>
-            </a:r>
-            <a:r>
-              <a:rPr lang="en-GB" dirty="0" err="1"/>
-              <a:t>Txtzyme</a:t>
-            </a:r>
-            <a:r>
-              <a:rPr lang="en-GB" dirty="0"/>
-              <a:t> in 2013, creating SIMPL on Arduino and MSP430.</a:t>
-            </a:r>
-          </a:p>
-          <a:p>
-            <a:r>
-              <a:rPr lang="en-GB" dirty="0"/>
-              <a:t>SIMPL - Serial Interpreted Minimal Programming Language.</a:t>
-            </a:r>
-          </a:p>
-          <a:p>
-            <a:r>
-              <a:rPr lang="en-GB" dirty="0"/>
-              <a:t>This added maths,  User Defined functions (colon </a:t>
-            </a:r>
-            <a:r>
-              <a:rPr lang="en-GB" dirty="0" err="1"/>
-              <a:t>defs</a:t>
-            </a:r>
-            <a:r>
-              <a:rPr lang="en-GB" dirty="0"/>
-              <a:t>) and more variables.</a:t>
-            </a:r>
-          </a:p>
-          <a:p>
-            <a:r>
-              <a:rPr lang="en-GB" dirty="0"/>
-              <a:t>I used it for exercising motion control and force sensor instruments.</a:t>
-            </a:r>
-          </a:p>
-          <a:p>
-            <a:r>
-              <a:rPr lang="en-GB" dirty="0"/>
-              <a:t>Another  application was a simple memory dump screen/editor for MSP430.</a:t>
-            </a:r>
-          </a:p>
-          <a:p>
-            <a:r>
-              <a:rPr lang="en-GB" dirty="0"/>
-              <a:t>I referred to as a ”hardware bring-up tool” for initial testing of new hardware.</a:t>
-            </a:r>
-            <a:br>
-              <a:rPr lang="en-GB" dirty="0"/>
-            </a:br>
-            <a:br>
-              <a:rPr lang="en-GB" dirty="0"/>
-            </a:br>
-            <a:endParaRPr lang="en-GB" dirty="0"/>
-          </a:p>
-        </p:txBody>
-      </p:sp>
-    </p:spTree>
-    <p:extLst>
-      <p:ext uri="{BB962C8B-B14F-4D97-AF65-F5344CB8AC3E}">
-        <p14:creationId xmlns:p14="http://schemas.microsoft.com/office/powerpoint/2010/main" val="1536938521"/>
-      </p:ext>
-    </p:extLst>
-  </p:cSld>
-  <p:clrMapOvr>
-    <a:masterClrMapping/>
-  </p:clrMapOvr>
-</p:sld>
-</file>
-
-<file path=ppt/slides/slide5.xml><?xml version="1.0" encoding="utf-8"?>
-<p:sld xmlns:a="http://schemas.openxmlformats.org/drawingml/2006/main" xmlns:r="http://schemas.openxmlformats.org/officeDocument/2006/relationships" xmlns:p="http://schemas.openxmlformats.org/presentationml/2006/main">
-  <p:cSld>
-    <p:spTree>
-      <p:nvGrpSpPr>
-        <p:cNvPr id="1" name=""/>
-        <p:cNvGrpSpPr/>
-        <p:nvPr/>
-      </p:nvGrpSpPr>
-      <p:grpSpPr>
-        <a:xfrm>
-          <a:off x="0" y="0"/>
-          <a:ext cx="0" cy="0"/>
-          <a:chOff x="0" y="0"/>
-          <a:chExt cx="0" cy="0"/>
-        </a:xfrm>
-      </p:grpSpPr>
-      <p:sp>
-        <p:nvSpPr>
-          <p:cNvPr id="2" name="Title 1">
-            <a:extLst>
-              <a:ext uri="{FF2B5EF4-FFF2-40B4-BE49-F238E27FC236}">
-                <a16:creationId xmlns:a16="http://schemas.microsoft.com/office/drawing/2014/main" id="{B2FF7AF7-449B-B3A7-D600-A8E7477C3ABC}"/>
-              </a:ext>
-            </a:extLst>
-          </p:cNvPr>
-          <p:cNvSpPr>
-            <a:spLocks noGrp="1"/>
-          </p:cNvSpPr>
-          <p:nvPr>
-            <p:ph type="title"/>
-          </p:nvPr>
-        </p:nvSpPr>
-        <p:spPr>
-          <a:xfrm>
-            <a:off x="0" y="1"/>
-            <a:ext cx="11353800" cy="926673"/>
-          </a:xfrm>
-        </p:spPr>
-        <p:txBody>
-          <a:bodyPr>
-            <a:normAutofit/>
-          </a:bodyPr>
-          <a:lstStyle/>
-          <a:p>
-            <a:r>
-              <a:rPr lang="en-GB" dirty="0"/>
-              <a:t>The Evolution of  MINT – a little history:- Part 2.</a:t>
-            </a:r>
-          </a:p>
-        </p:txBody>
-      </p:sp>
-      <p:sp>
-        <p:nvSpPr>
-          <p:cNvPr id="3" name="Content Placeholder 2">
-            <a:extLst>
-              <a:ext uri="{FF2B5EF4-FFF2-40B4-BE49-F238E27FC236}">
-                <a16:creationId xmlns:a16="http://schemas.microsoft.com/office/drawing/2014/main" id="{7C845F0B-7449-5F0B-A5FB-49576503BC0A}"/>
-              </a:ext>
-            </a:extLst>
-          </p:cNvPr>
-          <p:cNvSpPr>
-            <a:spLocks noGrp="1"/>
-          </p:cNvSpPr>
-          <p:nvPr>
-            <p:ph idx="1"/>
-          </p:nvPr>
-        </p:nvSpPr>
-        <p:spPr>
-          <a:xfrm>
-            <a:off x="0" y="1012591"/>
-            <a:ext cx="12192000" cy="5164372"/>
-          </a:xfrm>
-        </p:spPr>
-        <p:txBody>
-          <a:bodyPr>
-            <a:normAutofit/>
-          </a:bodyPr>
-          <a:lstStyle/>
-          <a:p>
-            <a:r>
-              <a:rPr lang="en-GB" dirty="0"/>
-              <a:t>SIMPL  was ported to STM32 MCU and other Arduino compatible dev-boards.</a:t>
-            </a:r>
-          </a:p>
-          <a:p>
-            <a:r>
-              <a:rPr lang="en-GB" dirty="0"/>
-              <a:t>Still lacking stacks, it could perform loops, sequences and conditional code.</a:t>
-            </a:r>
-          </a:p>
-          <a:p>
-            <a:r>
-              <a:rPr lang="en-GB" dirty="0"/>
-              <a:t>User definitions could be chained together to form new  functions.</a:t>
-            </a:r>
-          </a:p>
-          <a:p>
-            <a:r>
-              <a:rPr lang="en-GB" dirty="0"/>
-              <a:t>I  ported it to MSP430 assembly language, having read of Ting’s </a:t>
-            </a:r>
-            <a:r>
-              <a:rPr lang="en-GB" dirty="0" err="1"/>
-              <a:t>eForth</a:t>
-            </a:r>
-            <a:r>
-              <a:rPr lang="en-GB" dirty="0"/>
-              <a:t> model.</a:t>
-            </a:r>
-          </a:p>
-          <a:p>
-            <a:r>
-              <a:rPr lang="en-GB" dirty="0"/>
-              <a:t>SIMPL development was paused due to other work commitments.</a:t>
-            </a:r>
-          </a:p>
-          <a:p>
-            <a:endParaRPr lang="en-GB" dirty="0"/>
-          </a:p>
-          <a:p>
-            <a:r>
-              <a:rPr lang="en-GB" dirty="0"/>
-              <a:t>In 2019, I began thinking about using SIMPL as “assembly language” for a VM.</a:t>
-            </a:r>
-          </a:p>
-          <a:p>
-            <a:r>
-              <a:rPr lang="en-GB" dirty="0"/>
-              <a:t>I needed to find a simple solution to implementing the missing stacks. </a:t>
-            </a:r>
-          </a:p>
-          <a:p>
-            <a:r>
-              <a:rPr lang="en-GB" dirty="0"/>
-              <a:t>I had watched John Hardy’s  presentations on Forth for Z80.</a:t>
-            </a:r>
-          </a:p>
-          <a:p>
-            <a:r>
-              <a:rPr lang="en-GB" dirty="0"/>
-              <a:t>This  encouraged me to write SIMPL in Z80 assembly language for my RC2014</a:t>
-            </a:r>
-          </a:p>
-          <a:p>
-            <a:endParaRPr lang="en-GB" dirty="0"/>
-          </a:p>
-          <a:p>
-            <a:endParaRPr lang="en-GB" dirty="0"/>
-          </a:p>
-          <a:p>
-            <a:endParaRPr lang="en-GB" dirty="0"/>
-          </a:p>
-          <a:p>
-            <a:endParaRPr lang="en-GB" dirty="0"/>
-          </a:p>
-          <a:p>
-            <a:endParaRPr lang="en-GB" dirty="0"/>
-          </a:p>
-        </p:txBody>
-      </p:sp>
-    </p:spTree>
-    <p:extLst>
-      <p:ext uri="{BB962C8B-B14F-4D97-AF65-F5344CB8AC3E}">
-        <p14:creationId xmlns:p14="http://schemas.microsoft.com/office/powerpoint/2010/main" val="2316008228"/>
-      </p:ext>
-    </p:extLst>
-  </p:cSld>
-  <p:clrMapOvr>
-    <a:masterClrMapping/>
-  </p:clrMapOvr>
-</p:sld>
-</file>
-
-<file path=ppt/slides/slide6.xml><?xml version="1.0" encoding="utf-8"?>
-<p:sld xmlns:a="http://schemas.openxmlformats.org/drawingml/2006/main" xmlns:r="http://schemas.openxmlformats.org/officeDocument/2006/relationships" xmlns:p="http://schemas.openxmlformats.org/presentationml/2006/main">
-  <p:cSld>
-    <p:spTree>
-      <p:nvGrpSpPr>
-        <p:cNvPr id="1" name=""/>
-        <p:cNvGrpSpPr/>
-        <p:nvPr/>
-      </p:nvGrpSpPr>
-      <p:grpSpPr>
-        <a:xfrm>
-          <a:off x="0" y="0"/>
-          <a:ext cx="0" cy="0"/>
-          <a:chOff x="0" y="0"/>
-          <a:chExt cx="0" cy="0"/>
-        </a:xfrm>
-      </p:grpSpPr>
-      <p:sp>
-        <p:nvSpPr>
-          <p:cNvPr id="2" name="Title 1">
-            <a:extLst>
-              <a:ext uri="{FF2B5EF4-FFF2-40B4-BE49-F238E27FC236}">
-                <a16:creationId xmlns:a16="http://schemas.microsoft.com/office/drawing/2014/main" id="{F8334C0D-C4FB-E552-57CE-7D8079CA5CE6}"/>
-              </a:ext>
-            </a:extLst>
-          </p:cNvPr>
-          <p:cNvSpPr>
-            <a:spLocks noGrp="1"/>
-          </p:cNvSpPr>
-          <p:nvPr>
-            <p:ph type="title"/>
-          </p:nvPr>
-        </p:nvSpPr>
-        <p:spPr>
-          <a:xfrm>
-            <a:off x="61369" y="1"/>
-            <a:ext cx="12016075" cy="785524"/>
-          </a:xfrm>
-        </p:spPr>
-        <p:txBody>
-          <a:bodyPr/>
-          <a:lstStyle/>
-          <a:p>
-            <a:r>
-              <a:rPr lang="en-GB" dirty="0"/>
-              <a:t>The Evolution of  MINT – a little history:- Part 3.</a:t>
-            </a:r>
-          </a:p>
-        </p:txBody>
-      </p:sp>
-      <p:sp>
-        <p:nvSpPr>
-          <p:cNvPr id="3" name="Content Placeholder 2">
-            <a:extLst>
-              <a:ext uri="{FF2B5EF4-FFF2-40B4-BE49-F238E27FC236}">
-                <a16:creationId xmlns:a16="http://schemas.microsoft.com/office/drawing/2014/main" id="{2819057E-2D98-913E-3F5E-5D1730EAE700}"/>
-              </a:ext>
-            </a:extLst>
-          </p:cNvPr>
-          <p:cNvSpPr>
-            <a:spLocks noGrp="1"/>
-          </p:cNvSpPr>
-          <p:nvPr>
-            <p:ph idx="1"/>
-          </p:nvPr>
-        </p:nvSpPr>
-        <p:spPr>
-          <a:xfrm>
-            <a:off x="0" y="625965"/>
-            <a:ext cx="12192000" cy="6232034"/>
-          </a:xfrm>
-        </p:spPr>
-        <p:txBody>
-          <a:bodyPr>
-            <a:normAutofit fontScale="92500" lnSpcReduction="20000"/>
-          </a:bodyPr>
-          <a:lstStyle/>
-          <a:p>
-            <a:r>
-              <a:rPr lang="en-GB" dirty="0"/>
-              <a:t>In lockdown of Spring 2021, I found out about STABLE by Sandor Schneider.</a:t>
-            </a:r>
-          </a:p>
-          <a:p>
-            <a:r>
-              <a:rPr lang="en-GB" dirty="0"/>
-              <a:t>STABLE is a minimal interpreted language, written in 50 lines of compact C.</a:t>
-            </a:r>
-          </a:p>
-          <a:p>
-            <a:r>
-              <a:rPr lang="en-GB" dirty="0"/>
-              <a:t>Most importantly, this gave me formal implementations of the stacks, in C.</a:t>
-            </a:r>
-          </a:p>
-          <a:p>
-            <a:r>
-              <a:rPr lang="en-GB" dirty="0"/>
-              <a:t>At the same time, John, Sandor and I founded “Minimalist Computing” on FB.</a:t>
-            </a:r>
-          </a:p>
-          <a:p>
-            <a:endParaRPr lang="en-GB" dirty="0"/>
-          </a:p>
-          <a:p>
-            <a:r>
-              <a:rPr lang="en-GB" dirty="0"/>
-              <a:t>John and I discussed an implementation of such an interpreter on the Z80.</a:t>
-            </a:r>
-          </a:p>
-          <a:p>
-            <a:r>
-              <a:rPr lang="en-GB" dirty="0"/>
-              <a:t>John saw it as an alternative to assembly language on the  TEC-1 computer.</a:t>
-            </a:r>
-          </a:p>
-          <a:p>
-            <a:r>
-              <a:rPr lang="en-GB" dirty="0"/>
-              <a:t>The TEC-1 was a small Z80 machine with hex-keypad and 7-segment LEDs.</a:t>
-            </a:r>
-          </a:p>
-          <a:p>
-            <a:r>
-              <a:rPr lang="en-GB" dirty="0"/>
-              <a:t>It was limited to just a 2K ROM, and used bit-banging serial routines.</a:t>
-            </a:r>
-          </a:p>
-          <a:p>
-            <a:r>
-              <a:rPr lang="en-GB" dirty="0"/>
-              <a:t>It was developed by John in the early 80s for “Talking  Electronics” magazine.</a:t>
-            </a:r>
-          </a:p>
-          <a:p>
-            <a:r>
-              <a:rPr lang="en-GB" dirty="0"/>
-              <a:t>The TEC-1 is still well known to enthusiasts in Australia.</a:t>
-            </a:r>
-          </a:p>
-          <a:p>
-            <a:endParaRPr lang="en-GB" dirty="0"/>
-          </a:p>
-          <a:p>
-            <a:r>
-              <a:rPr lang="en-GB" dirty="0"/>
-              <a:t>I  worked on the inner interpreter and arithmetic routines, John handled the  stack handling and arrays, and Craig Jones provided the  bit-banging serial I/O code. </a:t>
-            </a:r>
-            <a:br>
-              <a:rPr lang="en-GB" dirty="0"/>
-            </a:br>
-            <a:endParaRPr lang="en-GB" dirty="0"/>
-          </a:p>
-          <a:p>
-            <a:r>
-              <a:rPr lang="en-GB" dirty="0"/>
-              <a:t>MINT for  Z80 was first demonstrated at Christmas 2021 on both TEC1 and RC2014.</a:t>
-            </a:r>
-          </a:p>
-        </p:txBody>
-      </p:sp>
-    </p:spTree>
-    <p:extLst>
-      <p:ext uri="{BB962C8B-B14F-4D97-AF65-F5344CB8AC3E}">
-        <p14:creationId xmlns:p14="http://schemas.microsoft.com/office/powerpoint/2010/main" val="2723502436"/>
-      </p:ext>
-    </p:extLst>
-  </p:cSld>
-  <p:clrMapOvr>
-    <a:masterClrMapping/>
-  </p:clrMapOvr>
-</p:sld>
-</file>
-
-<file path=ppt/slides/slide7.xml><?xml version="1.0" encoding="utf-8"?>
-<p:sld xmlns:a="http://schemas.openxmlformats.org/drawingml/2006/main" xmlns:r="http://schemas.openxmlformats.org/officeDocument/2006/relationships" xmlns:p="http://schemas.openxmlformats.org/presentationml/2006/main">
-  <p:cSld>
-    <p:spTree>
-      <p:nvGrpSpPr>
-        <p:cNvPr id="1" name=""/>
-        <p:cNvGrpSpPr/>
-        <p:nvPr/>
-      </p:nvGrpSpPr>
-      <p:grpSpPr>
-        <a:xfrm>
-          <a:off x="0" y="0"/>
-          <a:ext cx="0" cy="0"/>
-          <a:chOff x="0" y="0"/>
-          <a:chExt cx="0" cy="0"/>
-        </a:xfrm>
-      </p:grpSpPr>
-      <p:sp>
-        <p:nvSpPr>
-          <p:cNvPr id="2" name="Title 1">
-            <a:extLst>
-              <a:ext uri="{FF2B5EF4-FFF2-40B4-BE49-F238E27FC236}">
-                <a16:creationId xmlns:a16="http://schemas.microsoft.com/office/drawing/2014/main" id="{095C9B21-D72A-2163-94E8-4267228CBADF}"/>
-              </a:ext>
-            </a:extLst>
-          </p:cNvPr>
-          <p:cNvSpPr>
-            <a:spLocks noGrp="1"/>
-          </p:cNvSpPr>
-          <p:nvPr>
-            <p:ph type="title"/>
-          </p:nvPr>
-        </p:nvSpPr>
-        <p:spPr>
-          <a:xfrm>
-            <a:off x="0" y="365125"/>
-            <a:ext cx="12192000" cy="1325563"/>
-          </a:xfrm>
-        </p:spPr>
-        <p:txBody>
-          <a:bodyPr>
-            <a:normAutofit/>
-          </a:bodyPr>
-          <a:lstStyle/>
-          <a:p>
-            <a:r>
-              <a:rPr lang="en-GB" sz="4400" b="0" i="0" dirty="0">
-                <a:solidFill>
-                  <a:srgbClr val="222222"/>
-                </a:solidFill>
-                <a:effectLst/>
-                <a:latin typeface="Arial" panose="020B0604020202020204" pitchFamily="34" charset="0"/>
-              </a:rPr>
-              <a:t>Other implementations: MINT6502 and </a:t>
-            </a:r>
-            <a:r>
-              <a:rPr lang="en-GB" dirty="0">
-                <a:solidFill>
-                  <a:srgbClr val="222222"/>
-                </a:solidFill>
-                <a:latin typeface="Arial" panose="020B0604020202020204" pitchFamily="34" charset="0"/>
-              </a:rPr>
-              <a:t>C</a:t>
-            </a:r>
-            <a:r>
-              <a:rPr lang="en-GB" sz="4400" b="0" i="0" dirty="0">
-                <a:solidFill>
-                  <a:srgbClr val="222222"/>
-                </a:solidFill>
-                <a:effectLst/>
-                <a:latin typeface="Arial" panose="020B0604020202020204" pitchFamily="34" charset="0"/>
-              </a:rPr>
-              <a:t>MINT</a:t>
-            </a:r>
-            <a:br>
-              <a:rPr lang="en-GB" sz="4400" b="0" i="0" dirty="0">
-                <a:solidFill>
-                  <a:srgbClr val="222222"/>
-                </a:solidFill>
-                <a:effectLst/>
-                <a:latin typeface="Arial" panose="020B0604020202020204" pitchFamily="34" charset="0"/>
-              </a:rPr>
-            </a:br>
-            <a:endParaRPr lang="en-GB" dirty="0"/>
-          </a:p>
-        </p:txBody>
-      </p:sp>
-      <p:sp>
-        <p:nvSpPr>
-          <p:cNvPr id="3" name="Content Placeholder 2">
-            <a:extLst>
-              <a:ext uri="{FF2B5EF4-FFF2-40B4-BE49-F238E27FC236}">
-                <a16:creationId xmlns:a16="http://schemas.microsoft.com/office/drawing/2014/main" id="{A56DE81B-3799-E92A-4616-57FE06E73D12}"/>
-              </a:ext>
-            </a:extLst>
-          </p:cNvPr>
-          <p:cNvSpPr>
-            <a:spLocks noGrp="1"/>
-          </p:cNvSpPr>
-          <p:nvPr>
-            <p:ph idx="1"/>
-          </p:nvPr>
-        </p:nvSpPr>
-        <p:spPr>
-          <a:xfrm>
-            <a:off x="92053" y="1043276"/>
-            <a:ext cx="12059034" cy="5738142"/>
-          </a:xfrm>
-        </p:spPr>
-        <p:txBody>
-          <a:bodyPr/>
-          <a:lstStyle/>
-          <a:p>
-            <a:r>
-              <a:rPr lang="en-GB" dirty="0"/>
-              <a:t>Having successfully proven the implementation in under 2Kbytes on the Z80, I wanted to show that it could be applied to other “classic” 8-bit CPUs.</a:t>
-            </a:r>
-          </a:p>
-          <a:p>
-            <a:endParaRPr lang="en-GB" dirty="0"/>
-          </a:p>
-          <a:p>
-            <a:r>
-              <a:rPr lang="en-GB" dirty="0"/>
-              <a:t>A version MINT6502 was written by Alvaro G S Barcellos in 6502 assembly.</a:t>
-            </a:r>
-          </a:p>
-          <a:p>
-            <a:endParaRPr lang="en-GB" dirty="0"/>
-          </a:p>
-          <a:p>
-            <a:r>
-              <a:rPr lang="en-GB" dirty="0"/>
-              <a:t>A generic version was written in C, CMINT, by Jason C.J. Tay. </a:t>
-            </a:r>
-          </a:p>
-          <a:p>
-            <a:r>
-              <a:rPr lang="en-GB" dirty="0"/>
-              <a:t>This has been ported to a wide range of MCUs, including  ATmega328, 8052, STM32F743.</a:t>
-            </a:r>
-          </a:p>
-          <a:p>
-            <a:r>
-              <a:rPr lang="en-GB" dirty="0"/>
-              <a:t>The next slide shows comparative benchmarks for CMINT running on various MCUs.</a:t>
-            </a:r>
-          </a:p>
-          <a:p>
-            <a:endParaRPr lang="en-GB" dirty="0"/>
-          </a:p>
-        </p:txBody>
-      </p:sp>
-    </p:spTree>
-    <p:extLst>
-      <p:ext uri="{BB962C8B-B14F-4D97-AF65-F5344CB8AC3E}">
-        <p14:creationId xmlns:p14="http://schemas.microsoft.com/office/powerpoint/2010/main" val="2650223127"/>
-      </p:ext>
-    </p:extLst>
-  </p:cSld>
-  <p:clrMapOvr>
-    <a:masterClrMapping/>
-  </p:clrMapOvr>
-</p:sld>
-</file>
-
-<file path=ppt/slides/slide8.xml><?xml version="1.0" encoding="utf-8"?>
-<p:sld xmlns:a="http://schemas.openxmlformats.org/drawingml/2006/main" xmlns:r="http://schemas.openxmlformats.org/officeDocument/2006/relationships" xmlns:p="http://schemas.openxmlformats.org/presentationml/2006/main">
-  <p:cSld>
-    <p:spTree>
-      <p:nvGrpSpPr>
-        <p:cNvPr id="1" name=""/>
-        <p:cNvGrpSpPr/>
-        <p:nvPr/>
-      </p:nvGrpSpPr>
-      <p:grpSpPr>
-        <a:xfrm>
-          <a:off x="0" y="0"/>
-          <a:ext cx="0" cy="0"/>
-          <a:chOff x="0" y="0"/>
-          <a:chExt cx="0" cy="0"/>
-        </a:xfrm>
-      </p:grpSpPr>
-      <p:pic>
-        <p:nvPicPr>
-          <p:cNvPr id="3" name="Picture 2">
-            <a:extLst>
-              <a:ext uri="{FF2B5EF4-FFF2-40B4-BE49-F238E27FC236}">
-                <a16:creationId xmlns:a16="http://schemas.microsoft.com/office/drawing/2014/main" id="{A3C3F33B-8A1A-E430-C9EE-AC83400BE679}"/>
-              </a:ext>
-            </a:extLst>
-          </p:cNvPr>
-          <p:cNvPicPr>
-            <a:picLocks noChangeAspect="1"/>
-          </p:cNvPicPr>
-          <p:nvPr/>
-        </p:nvPicPr>
-        <p:blipFill>
-          <a:blip r:embed="rId2"/>
-          <a:stretch>
-            <a:fillRect/>
-          </a:stretch>
-        </p:blipFill>
-        <p:spPr>
-          <a:xfrm>
-            <a:off x="1199466" y="646833"/>
-            <a:ext cx="9793067" cy="6211167"/>
-          </a:xfrm>
-          <a:prstGeom prst="rect">
-            <a:avLst/>
-          </a:prstGeom>
-        </p:spPr>
-      </p:pic>
-      <p:sp>
-        <p:nvSpPr>
-          <p:cNvPr id="4" name="TextBox 3">
-            <a:extLst>
-              <a:ext uri="{FF2B5EF4-FFF2-40B4-BE49-F238E27FC236}">
-                <a16:creationId xmlns:a16="http://schemas.microsoft.com/office/drawing/2014/main" id="{3C29C20A-65EA-118F-461B-A30EB4270495}"/>
-              </a:ext>
-            </a:extLst>
-          </p:cNvPr>
-          <p:cNvSpPr txBox="1"/>
-          <p:nvPr/>
-        </p:nvSpPr>
-        <p:spPr>
-          <a:xfrm>
-            <a:off x="636193" y="0"/>
-            <a:ext cx="11555807" cy="584775"/>
-          </a:xfrm>
-          <a:prstGeom prst="rect">
-            <a:avLst/>
-          </a:prstGeom>
-          <a:noFill/>
-        </p:spPr>
-        <p:txBody>
-          <a:bodyPr wrap="square" rtlCol="0">
-            <a:spAutoFit/>
-          </a:bodyPr>
-          <a:lstStyle/>
-          <a:p>
-            <a:r>
-              <a:rPr lang="en-GB" sz="3200" dirty="0"/>
-              <a:t>CMINT Benchmarks  for 1,000,000 empty loops – Jason C.J Tay.</a:t>
-            </a:r>
-          </a:p>
-        </p:txBody>
-      </p:sp>
-    </p:spTree>
-    <p:extLst>
-      <p:ext uri="{BB962C8B-B14F-4D97-AF65-F5344CB8AC3E}">
-        <p14:creationId xmlns:p14="http://schemas.microsoft.com/office/powerpoint/2010/main" val="1113940874"/>
-      </p:ext>
-    </p:extLst>
-  </p:cSld>
-  <p:clrMapOvr>
-    <a:masterClrMapping/>
-  </p:clrMapOvr>
-</p:sld>
-</file>
-
-<file path=ppt/slides/slide9.xml><?xml version="1.0" encoding="utf-8"?>
-<p:sld xmlns:a="http://schemas.openxmlformats.org/drawingml/2006/main" xmlns:r="http://schemas.openxmlformats.org/officeDocument/2006/relationships" xmlns:p="http://schemas.openxmlformats.org/presentationml/2006/main">
-  <p:cSld>
-    <p:spTree>
-      <p:nvGrpSpPr>
-        <p:cNvPr id="1" name=""/>
-        <p:cNvGrpSpPr/>
-        <p:nvPr/>
-      </p:nvGrpSpPr>
-      <p:grpSpPr>
-        <a:xfrm>
-          <a:off x="0" y="0"/>
-          <a:ext cx="0" cy="0"/>
-          <a:chOff x="0" y="0"/>
-          <a:chExt cx="0" cy="0"/>
-        </a:xfrm>
-      </p:grpSpPr>
-      <p:sp>
-        <p:nvSpPr>
-          <p:cNvPr id="2" name="Title 1">
-            <a:extLst>
-              <a:ext uri="{FF2B5EF4-FFF2-40B4-BE49-F238E27FC236}">
-                <a16:creationId xmlns:a16="http://schemas.microsoft.com/office/drawing/2014/main" id="{221F380C-6820-9698-196C-8602ED576526}"/>
-              </a:ext>
-            </a:extLst>
-          </p:cNvPr>
-          <p:cNvSpPr>
-            <a:spLocks noGrp="1"/>
-          </p:cNvSpPr>
-          <p:nvPr>
-            <p:ph type="title"/>
-          </p:nvPr>
-        </p:nvSpPr>
-        <p:spPr>
-          <a:xfrm>
-            <a:off x="0" y="546185"/>
-            <a:ext cx="12192000" cy="45719"/>
-          </a:xfrm>
-        </p:spPr>
-        <p:txBody>
-          <a:bodyPr>
-            <a:normAutofit fontScale="90000"/>
-          </a:bodyPr>
-          <a:lstStyle/>
-          <a:p>
-            <a:r>
-              <a:rPr lang="en-GB" sz="3600" b="0" i="0" dirty="0">
-                <a:solidFill>
-                  <a:srgbClr val="222222"/>
-                </a:solidFill>
-                <a:effectLst/>
-                <a:latin typeface="Arial" panose="020B0604020202020204" pitchFamily="34" charset="0"/>
-              </a:rPr>
-              <a:t>New developments:- </a:t>
-            </a:r>
-            <a:r>
-              <a:rPr lang="en-GB" sz="3600" b="0" i="0" dirty="0" err="1">
-                <a:solidFill>
-                  <a:srgbClr val="222222"/>
-                </a:solidFill>
-                <a:effectLst/>
-                <a:latin typeface="Arial" panose="020B0604020202020204" pitchFamily="34" charset="0"/>
-              </a:rPr>
-              <a:t>eMINT</a:t>
-            </a:r>
-            <a:r>
-              <a:rPr lang="en-GB" sz="3600" b="0" i="0" dirty="0">
-                <a:solidFill>
-                  <a:srgbClr val="222222"/>
-                </a:solidFill>
-                <a:effectLst/>
-                <a:latin typeface="Arial" panose="020B0604020202020204" pitchFamily="34" charset="0"/>
-              </a:rPr>
-              <a:t> inspired by </a:t>
-            </a:r>
-            <a:r>
-              <a:rPr lang="en-GB" sz="3600" b="0" i="0" dirty="0" err="1">
-                <a:solidFill>
-                  <a:srgbClr val="222222"/>
-                </a:solidFill>
-                <a:effectLst/>
-                <a:latin typeface="Arial" panose="020B0604020202020204" pitchFamily="34" charset="0"/>
-              </a:rPr>
-              <a:t>C.H.Ting’s</a:t>
-            </a:r>
-            <a:r>
-              <a:rPr lang="en-GB" sz="3600" b="0" i="0" dirty="0">
-                <a:solidFill>
-                  <a:srgbClr val="222222"/>
-                </a:solidFill>
-                <a:effectLst/>
-                <a:latin typeface="Arial" panose="020B0604020202020204" pitchFamily="34" charset="0"/>
-              </a:rPr>
-              <a:t>  </a:t>
-            </a:r>
-            <a:r>
-              <a:rPr lang="en-GB" sz="3600" b="0" i="0" dirty="0" err="1">
-                <a:solidFill>
-                  <a:srgbClr val="222222"/>
-                </a:solidFill>
-                <a:effectLst/>
-                <a:latin typeface="Arial" panose="020B0604020202020204" pitchFamily="34" charset="0"/>
-              </a:rPr>
-              <a:t>eForth</a:t>
-            </a:r>
-            <a:r>
-              <a:rPr lang="en-GB" sz="3600" b="0" i="0" dirty="0">
-                <a:solidFill>
-                  <a:srgbClr val="222222"/>
-                </a:solidFill>
-                <a:effectLst/>
-                <a:latin typeface="Arial" panose="020B0604020202020204" pitchFamily="34" charset="0"/>
-              </a:rPr>
-              <a:t> model.</a:t>
-            </a:r>
-            <a:br>
-              <a:rPr lang="en-GB" sz="4400" b="0" i="0" dirty="0">
-                <a:solidFill>
-                  <a:srgbClr val="222222"/>
-                </a:solidFill>
-                <a:effectLst/>
-                <a:latin typeface="Arial" panose="020B0604020202020204" pitchFamily="34" charset="0"/>
-              </a:rPr>
-            </a:br>
-            <a:endParaRPr lang="en-GB" dirty="0"/>
-          </a:p>
-        </p:txBody>
-      </p:sp>
-      <p:sp>
-        <p:nvSpPr>
-          <p:cNvPr id="3" name="Content Placeholder 2">
-            <a:extLst>
-              <a:ext uri="{FF2B5EF4-FFF2-40B4-BE49-F238E27FC236}">
-                <a16:creationId xmlns:a16="http://schemas.microsoft.com/office/drawing/2014/main" id="{B1088206-CEAC-01F4-0457-3F5D092E3DF5}"/>
-              </a:ext>
-            </a:extLst>
-          </p:cNvPr>
-          <p:cNvSpPr>
-            <a:spLocks noGrp="1"/>
-          </p:cNvSpPr>
-          <p:nvPr>
-            <p:ph idx="1"/>
-          </p:nvPr>
-        </p:nvSpPr>
-        <p:spPr>
-          <a:xfrm>
-            <a:off x="0" y="503227"/>
-            <a:ext cx="12192000" cy="6354773"/>
-          </a:xfrm>
-        </p:spPr>
-        <p:txBody>
-          <a:bodyPr>
-            <a:noAutofit/>
-          </a:bodyPr>
-          <a:lstStyle/>
-          <a:p>
-            <a:r>
-              <a:rPr lang="en-GB" dirty="0"/>
-              <a:t>Ting’s model reduces the Forth inner interpreter to just 31 primitive functions.</a:t>
-            </a:r>
-          </a:p>
-          <a:p>
-            <a:r>
-              <a:rPr lang="en-GB" dirty="0"/>
-              <a:t>These primitives are equivalent to the instruction set of a  virtual machine.</a:t>
-            </a:r>
-          </a:p>
-          <a:p>
-            <a:r>
-              <a:rPr lang="en-GB" dirty="0"/>
-              <a:t>A full Forth can be built using just these 31 primitives, each written in minimal, target specific assembly language.</a:t>
-            </a:r>
-          </a:p>
-          <a:p>
-            <a:endParaRPr lang="en-GB" dirty="0"/>
-          </a:p>
-          <a:p>
-            <a:r>
-              <a:rPr lang="en-GB" dirty="0"/>
-              <a:t>I noticed that Ting’s choice of primitives are very similar to those of MINT.</a:t>
-            </a:r>
-          </a:p>
-          <a:p>
-            <a:r>
-              <a:rPr lang="en-GB" dirty="0"/>
-              <a:t>Using the </a:t>
-            </a:r>
-            <a:r>
-              <a:rPr lang="en-GB" dirty="0" err="1"/>
-              <a:t>eForth</a:t>
-            </a:r>
-            <a:r>
-              <a:rPr lang="en-GB" dirty="0"/>
-              <a:t> primitives to define MINT, we can use MINT to build a Forth.</a:t>
-            </a:r>
-          </a:p>
-          <a:p>
-            <a:r>
-              <a:rPr lang="en-GB" dirty="0"/>
-              <a:t>But a MINT primitive is defined by 1 character, not a 16-bit jump address.  </a:t>
-            </a:r>
-          </a:p>
-          <a:p>
-            <a:r>
-              <a:rPr lang="en-GB" dirty="0"/>
-              <a:t>Thus, an </a:t>
-            </a:r>
-            <a:r>
-              <a:rPr lang="en-GB" dirty="0" err="1"/>
-              <a:t>eForth</a:t>
-            </a:r>
-            <a:r>
-              <a:rPr lang="en-GB" dirty="0"/>
-              <a:t> build could be implemented in fewer bytes.</a:t>
-            </a:r>
-          </a:p>
-          <a:p>
-            <a:r>
-              <a:rPr lang="en-GB" dirty="0"/>
-              <a:t>John Hardy had already written some of the more advanced MINT functions in inline MINT code – thus proving the concept.  </a:t>
-            </a:r>
-          </a:p>
-          <a:p>
-            <a:r>
-              <a:rPr lang="en-GB" dirty="0"/>
-              <a:t>I see </a:t>
-            </a:r>
-            <a:r>
-              <a:rPr lang="en-GB" dirty="0" err="1"/>
-              <a:t>eMINT</a:t>
-            </a:r>
-            <a:r>
-              <a:rPr lang="en-GB" dirty="0"/>
-              <a:t> as a compact means provide portable code for a variety of  CPUs</a:t>
-            </a:r>
-          </a:p>
-          <a:p>
-            <a:r>
-              <a:rPr lang="en-GB" dirty="0"/>
-              <a:t>Conceptually, </a:t>
-            </a:r>
-            <a:r>
-              <a:rPr lang="en-GB" dirty="0" err="1"/>
-              <a:t>eMINT</a:t>
-            </a:r>
-            <a:r>
-              <a:rPr lang="en-GB" dirty="0"/>
-              <a:t> is </a:t>
-            </a:r>
-            <a:r>
-              <a:rPr lang="en-GB" dirty="0" err="1"/>
-              <a:t>eForth’s</a:t>
-            </a:r>
-            <a:r>
-              <a:rPr lang="en-GB" dirty="0"/>
-              <a:t> kid brother.</a:t>
-            </a:r>
-          </a:p>
-        </p:txBody>
-      </p:sp>
-    </p:spTree>
-    <p:extLst>
-      <p:ext uri="{BB962C8B-B14F-4D97-AF65-F5344CB8AC3E}">
-        <p14:creationId xmlns:p14="http://schemas.microsoft.com/office/powerpoint/2010/main" val="2696922941"/>
       </p:ext>
     </p:extLst>
   </p:cSld>
